--- a/ppt/基礎篇1_R 與R studio的介紹.pptx
+++ b/ppt/基礎篇1_R 與R studio的介紹.pptx
@@ -6,16 +6,17 @@
   </p:sldMasterIdLst>
   <p:sldIdLst>
     <p:sldId id="256" r:id="rId2"/>
-    <p:sldId id="257" r:id="rId3"/>
-    <p:sldId id="258" r:id="rId4"/>
-    <p:sldId id="259" r:id="rId5"/>
-    <p:sldId id="260" r:id="rId6"/>
-    <p:sldId id="261" r:id="rId7"/>
-    <p:sldId id="262" r:id="rId8"/>
-    <p:sldId id="263" r:id="rId9"/>
-    <p:sldId id="264" r:id="rId10"/>
-    <p:sldId id="265" r:id="rId11"/>
-    <p:sldId id="266" r:id="rId12"/>
+    <p:sldId id="267" r:id="rId3"/>
+    <p:sldId id="257" r:id="rId4"/>
+    <p:sldId id="258" r:id="rId5"/>
+    <p:sldId id="259" r:id="rId6"/>
+    <p:sldId id="260" r:id="rId7"/>
+    <p:sldId id="261" r:id="rId8"/>
+    <p:sldId id="262" r:id="rId9"/>
+    <p:sldId id="263" r:id="rId10"/>
+    <p:sldId id="264" r:id="rId11"/>
+    <p:sldId id="265" r:id="rId12"/>
+    <p:sldId id="266" r:id="rId13"/>
   </p:sldIdLst>
   <p:sldSz cx="12192000" cy="6858000"/>
   <p:notesSz cx="6858000" cy="9144000"/>
@@ -269,7 +270,7 @@
           <a:p>
             <a:fld id="{9449D47F-9350-4D75-8BE7-C25999CDD34D}" type="datetimeFigureOut">
               <a:rPr lang="zh-TW" altLang="en-US" smtClean="0"/>
-              <a:t>2023/6/13</a:t>
+              <a:t>2023/8/20</a:t>
             </a:fld>
             <a:endParaRPr lang="zh-TW" altLang="en-US"/>
           </a:p>
@@ -467,7 +468,7 @@
           <a:p>
             <a:fld id="{9449D47F-9350-4D75-8BE7-C25999CDD34D}" type="datetimeFigureOut">
               <a:rPr lang="zh-TW" altLang="en-US" smtClean="0"/>
-              <a:t>2023/6/13</a:t>
+              <a:t>2023/8/20</a:t>
             </a:fld>
             <a:endParaRPr lang="zh-TW" altLang="en-US"/>
           </a:p>
@@ -675,7 +676,7 @@
           <a:p>
             <a:fld id="{9449D47F-9350-4D75-8BE7-C25999CDD34D}" type="datetimeFigureOut">
               <a:rPr lang="zh-TW" altLang="en-US" smtClean="0"/>
-              <a:t>2023/6/13</a:t>
+              <a:t>2023/8/20</a:t>
             </a:fld>
             <a:endParaRPr lang="zh-TW" altLang="en-US"/>
           </a:p>
@@ -873,7 +874,7 @@
           <a:p>
             <a:fld id="{9449D47F-9350-4D75-8BE7-C25999CDD34D}" type="datetimeFigureOut">
               <a:rPr lang="zh-TW" altLang="en-US" smtClean="0"/>
-              <a:t>2023/6/13</a:t>
+              <a:t>2023/8/20</a:t>
             </a:fld>
             <a:endParaRPr lang="zh-TW" altLang="en-US"/>
           </a:p>
@@ -1148,7 +1149,7 @@
           <a:p>
             <a:fld id="{9449D47F-9350-4D75-8BE7-C25999CDD34D}" type="datetimeFigureOut">
               <a:rPr lang="zh-TW" altLang="en-US" smtClean="0"/>
-              <a:t>2023/6/13</a:t>
+              <a:t>2023/8/20</a:t>
             </a:fld>
             <a:endParaRPr lang="zh-TW" altLang="en-US"/>
           </a:p>
@@ -1413,7 +1414,7 @@
           <a:p>
             <a:fld id="{9449D47F-9350-4D75-8BE7-C25999CDD34D}" type="datetimeFigureOut">
               <a:rPr lang="zh-TW" altLang="en-US" smtClean="0"/>
-              <a:t>2023/6/13</a:t>
+              <a:t>2023/8/20</a:t>
             </a:fld>
             <a:endParaRPr lang="zh-TW" altLang="en-US"/>
           </a:p>
@@ -1825,7 +1826,7 @@
           <a:p>
             <a:fld id="{9449D47F-9350-4D75-8BE7-C25999CDD34D}" type="datetimeFigureOut">
               <a:rPr lang="zh-TW" altLang="en-US" smtClean="0"/>
-              <a:t>2023/6/13</a:t>
+              <a:t>2023/8/20</a:t>
             </a:fld>
             <a:endParaRPr lang="zh-TW" altLang="en-US"/>
           </a:p>
@@ -1966,7 +1967,7 @@
           <a:p>
             <a:fld id="{9449D47F-9350-4D75-8BE7-C25999CDD34D}" type="datetimeFigureOut">
               <a:rPr lang="zh-TW" altLang="en-US" smtClean="0"/>
-              <a:t>2023/6/13</a:t>
+              <a:t>2023/8/20</a:t>
             </a:fld>
             <a:endParaRPr lang="zh-TW" altLang="en-US"/>
           </a:p>
@@ -2079,7 +2080,7 @@
           <a:p>
             <a:fld id="{9449D47F-9350-4D75-8BE7-C25999CDD34D}" type="datetimeFigureOut">
               <a:rPr lang="zh-TW" altLang="en-US" smtClean="0"/>
-              <a:t>2023/6/13</a:t>
+              <a:t>2023/8/20</a:t>
             </a:fld>
             <a:endParaRPr lang="zh-TW" altLang="en-US"/>
           </a:p>
@@ -2390,7 +2391,7 @@
           <a:p>
             <a:fld id="{9449D47F-9350-4D75-8BE7-C25999CDD34D}" type="datetimeFigureOut">
               <a:rPr lang="zh-TW" altLang="en-US" smtClean="0"/>
-              <a:t>2023/6/13</a:t>
+              <a:t>2023/8/20</a:t>
             </a:fld>
             <a:endParaRPr lang="zh-TW" altLang="en-US"/>
           </a:p>
@@ -2678,7 +2679,7 @@
           <a:p>
             <a:fld id="{9449D47F-9350-4D75-8BE7-C25999CDD34D}" type="datetimeFigureOut">
               <a:rPr lang="zh-TW" altLang="en-US" smtClean="0"/>
-              <a:t>2023/6/13</a:t>
+              <a:t>2023/8/20</a:t>
             </a:fld>
             <a:endParaRPr lang="zh-TW" altLang="en-US"/>
           </a:p>
@@ -2919,7 +2920,7 @@
           <a:p>
             <a:fld id="{9449D47F-9350-4D75-8BE7-C25999CDD34D}" type="datetimeFigureOut">
               <a:rPr lang="zh-TW" altLang="en-US" smtClean="0"/>
-              <a:t>2023/6/13</a:t>
+              <a:t>2023/8/20</a:t>
             </a:fld>
             <a:endParaRPr lang="zh-TW" altLang="en-US"/>
           </a:p>
@@ -3444,6 +3445,165 @@
       </p:grpSpPr>
       <p:sp>
         <p:nvSpPr>
+          <p:cNvPr id="3" name="內容版面配置區 2">
+            <a:extLst>
+              <a:ext uri="{FF2B5EF4-FFF2-40B4-BE49-F238E27FC236}">
+                <a16:creationId xmlns:a16="http://schemas.microsoft.com/office/drawing/2014/main" id="{3FC70206-CA7A-4F44-8BB2-6BB677579D5C}"/>
+              </a:ext>
+            </a:extLst>
+          </p:cNvPr>
+          <p:cNvSpPr>
+            <a:spLocks noGrp="1"/>
+          </p:cNvSpPr>
+          <p:nvPr>
+            <p:ph idx="1"/>
+          </p:nvPr>
+        </p:nvSpPr>
+        <p:spPr>
+          <a:xfrm>
+            <a:off x="838200" y="770965"/>
+            <a:ext cx="5840506" cy="5405998"/>
+          </a:xfrm>
+        </p:spPr>
+        <p:txBody>
+          <a:bodyPr/>
+          <a:lstStyle/>
+          <a:p>
+            <a:r>
+              <a:rPr lang="zh-TW" altLang="en-US" dirty="0"/>
+              <a:t>例如，我們想要裝</a:t>
+            </a:r>
+            <a:r>
+              <a:rPr lang="en-US" altLang="zh-TW" dirty="0"/>
+              <a:t>haven</a:t>
+            </a:r>
+            <a:r>
+              <a:rPr lang="zh-TW" altLang="en-US" dirty="0"/>
+              <a:t>這個套件。</a:t>
+            </a:r>
+            <a:br>
+              <a:rPr lang="zh-TW" altLang="en-US" dirty="0"/>
+            </a:br>
+            <a:r>
+              <a:rPr lang="zh-TW" altLang="en-US" dirty="0"/>
+              <a:t>等</a:t>
+            </a:r>
+            <a:r>
+              <a:rPr lang="en-US" altLang="zh-TW" dirty="0"/>
+              <a:t>R</a:t>
+            </a:r>
+            <a:r>
+              <a:rPr lang="zh-TW" altLang="en-US" dirty="0"/>
+              <a:t>跑完安裝後，就可將這個套件載入。必須載入後才能夠使用這個套件</a:t>
+            </a:r>
+            <a:br>
+              <a:rPr lang="zh-TW" altLang="en-US" dirty="0"/>
+            </a:br>
+            <a:r>
+              <a:rPr lang="zh-TW" altLang="en-US" dirty="0"/>
+              <a:t>這個套件可以讓我們將</a:t>
+            </a:r>
+            <a:r>
+              <a:rPr lang="en-US" altLang="zh-TW" dirty="0"/>
+              <a:t>SPSS, SAS, STATA</a:t>
+            </a:r>
+            <a:r>
+              <a:rPr lang="zh-TW" altLang="en-US" dirty="0"/>
+              <a:t>等資料檔讀入</a:t>
+            </a:r>
+            <a:r>
+              <a:rPr lang="en-US" altLang="zh-TW" dirty="0"/>
+              <a:t>R</a:t>
+            </a:r>
+            <a:r>
+              <a:rPr lang="zh-TW" altLang="en-US" dirty="0"/>
+              <a:t>之中。</a:t>
+            </a:r>
+            <a:br>
+              <a:rPr lang="zh-TW" altLang="en-US" dirty="0"/>
+            </a:br>
+            <a:r>
+              <a:rPr lang="zh-TW" altLang="en-US" dirty="0"/>
+              <a:t>至於詳細的用法，我們可以用「</a:t>
+            </a:r>
+            <a:r>
+              <a:rPr lang="en-US" altLang="zh-TW" b="1" dirty="0"/>
+              <a:t>help</a:t>
+            </a:r>
+            <a:r>
+              <a:rPr lang="zh-TW" altLang="en-US" dirty="0"/>
+              <a:t>」來看這個套件的語法該如何設定</a:t>
+            </a:r>
+          </a:p>
+          <a:p>
+            <a:endParaRPr lang="zh-TW" altLang="en-US" dirty="0"/>
+          </a:p>
+        </p:txBody>
+      </p:sp>
+      <p:pic>
+        <p:nvPicPr>
+          <p:cNvPr id="4" name="圖片 3">
+            <a:extLst>
+              <a:ext uri="{FF2B5EF4-FFF2-40B4-BE49-F238E27FC236}">
+                <a16:creationId xmlns:a16="http://schemas.microsoft.com/office/drawing/2014/main" id="{C9977673-EF02-466E-A664-8BAD82711F00}"/>
+              </a:ext>
+            </a:extLst>
+          </p:cNvPr>
+          <p:cNvPicPr>
+            <a:picLocks noChangeAspect="1"/>
+          </p:cNvPicPr>
+          <p:nvPr/>
+        </p:nvPicPr>
+        <p:blipFill rotWithShape="1">
+          <a:blip r:embed="rId3"/>
+          <a:srcRect r="57675"/>
+          <a:stretch/>
+        </p:blipFill>
+        <p:spPr>
+          <a:xfrm>
+            <a:off x="7041776" y="365125"/>
+            <a:ext cx="4433047" cy="5892240"/>
+          </a:xfrm>
+          <a:prstGeom prst="rect">
+            <a:avLst/>
+          </a:prstGeom>
+        </p:spPr>
+      </p:pic>
+    </p:spTree>
+    <p:custDataLst>
+      <p:tags r:id="rId1"/>
+    </p:custDataLst>
+    <p:extLst>
+      <p:ext uri="{BB962C8B-B14F-4D97-AF65-F5344CB8AC3E}">
+        <p14:creationId xmlns:p14="http://schemas.microsoft.com/office/powerpoint/2010/main" val="4034054043"/>
+      </p:ext>
+    </p:extLst>
+  </p:cSld>
+  <p:clrMapOvr>
+    <a:masterClrMapping/>
+  </p:clrMapOvr>
+</p:sld>
+</file>
+
+<file path=ppt/slides/slide11.xml><?xml version="1.0" encoding="utf-8"?>
+<p:sld xmlns:a="http://schemas.openxmlformats.org/drawingml/2006/main" xmlns:r="http://schemas.openxmlformats.org/officeDocument/2006/relationships" xmlns:p="http://schemas.openxmlformats.org/presentationml/2006/main">
+  <p:cSld>
+    <p:spTree>
+      <p:nvGrpSpPr>
+        <p:cNvPr id="1" name=""/>
+        <p:cNvGrpSpPr/>
+        <p:nvPr/>
+      </p:nvGrpSpPr>
+      <p:grpSpPr>
+        <a:xfrm>
+          <a:off x="0" y="0"/>
+          <a:ext cx="0" cy="0"/>
+          <a:chOff x="0" y="0"/>
+          <a:chExt cx="0" cy="0"/>
+        </a:xfrm>
+      </p:grpSpPr>
+      <p:sp>
+        <p:nvSpPr>
           <p:cNvPr id="2" name="標題 1">
             <a:extLst>
               <a:ext uri="{FF2B5EF4-FFF2-40B4-BE49-F238E27FC236}">
@@ -3518,7 +3678,7 @@
 </p:sld>
 </file>
 
-<file path=ppt/slides/slide11.xml><?xml version="1.0" encoding="utf-8"?>
+<file path=ppt/slides/slide12.xml><?xml version="1.0" encoding="utf-8"?>
 <p:sld xmlns:a="http://schemas.openxmlformats.org/drawingml/2006/main" xmlns:r="http://schemas.openxmlformats.org/officeDocument/2006/relationships" xmlns:p="http://schemas.openxmlformats.org/presentationml/2006/main">
   <p:cSld>
     <p:spTree>
@@ -3704,6 +3864,212 @@
       </p:grpSpPr>
       <p:sp>
         <p:nvSpPr>
+          <p:cNvPr id="4" name="內容版面配置區 2">
+            <a:extLst>
+              <a:ext uri="{FF2B5EF4-FFF2-40B4-BE49-F238E27FC236}">
+                <a16:creationId xmlns:a16="http://schemas.microsoft.com/office/drawing/2014/main" id="{4A16689A-0278-4312-AEE6-66B90A55C14C}"/>
+              </a:ext>
+            </a:extLst>
+          </p:cNvPr>
+          <p:cNvSpPr>
+            <a:spLocks noGrp="1"/>
+          </p:cNvSpPr>
+          <p:nvPr>
+            <p:ph idx="1"/>
+          </p:nvPr>
+        </p:nvSpPr>
+        <p:spPr>
+          <a:xfrm>
+            <a:off x="838200" y="1825625"/>
+            <a:ext cx="10515600" cy="4351338"/>
+          </a:xfrm>
+        </p:spPr>
+        <p:txBody>
+          <a:bodyPr/>
+          <a:lstStyle/>
+          <a:p>
+            <a:pPr marL="0" indent="0">
+              <a:buNone/>
+            </a:pPr>
+            <a:r>
+              <a:rPr lang="zh-TW" altLang="en-US" dirty="0">
+                <a:hlinkClick r:id="rId2"/>
+              </a:rPr>
+              <a:t>基礎篇</a:t>
+            </a:r>
+            <a:r>
+              <a:rPr lang="en-US" altLang="zh-TW" dirty="0">
+                <a:hlinkClick r:id="rId2"/>
+              </a:rPr>
+              <a:t>_R</a:t>
+            </a:r>
+            <a:r>
+              <a:rPr lang="zh-TW" altLang="en-US" dirty="0">
+                <a:hlinkClick r:id="rId2"/>
+              </a:rPr>
+              <a:t>的介面與</a:t>
+            </a:r>
+            <a:r>
+              <a:rPr lang="en-US" altLang="zh-TW" dirty="0">
+                <a:hlinkClick r:id="rId2"/>
+              </a:rPr>
+              <a:t>R studio</a:t>
+            </a:r>
+            <a:r>
+              <a:rPr lang="zh-TW" altLang="en-US" dirty="0">
+                <a:hlinkClick r:id="rId2"/>
+              </a:rPr>
+              <a:t>的介紹</a:t>
+            </a:r>
+            <a:endParaRPr lang="zh-TW" altLang="en-US" dirty="0"/>
+          </a:p>
+          <a:p>
+            <a:r>
+              <a:rPr lang="zh-TW" altLang="en-US" dirty="0"/>
+              <a:t>什麼是</a:t>
+            </a:r>
+            <a:r>
+              <a:rPr lang="en-US" altLang="zh-TW" dirty="0"/>
+              <a:t>R </a:t>
+            </a:r>
+            <a:r>
+              <a:rPr lang="zh-TW" altLang="en-US" dirty="0"/>
+              <a:t>和 </a:t>
+            </a:r>
+            <a:r>
+              <a:rPr lang="en-US" altLang="zh-TW" dirty="0" err="1"/>
+              <a:t>Rstudio</a:t>
+            </a:r>
+            <a:endParaRPr lang="en-US" altLang="zh-TW" dirty="0"/>
+          </a:p>
+          <a:p>
+            <a:r>
+              <a:rPr lang="zh-TW" altLang="en-US" dirty="0"/>
+              <a:t>下載</a:t>
+            </a:r>
+            <a:r>
+              <a:rPr lang="en-US" altLang="zh-TW" dirty="0"/>
+              <a:t>R </a:t>
+            </a:r>
+            <a:r>
+              <a:rPr lang="zh-TW" altLang="en-US" dirty="0"/>
+              <a:t>和 </a:t>
+            </a:r>
+            <a:r>
+              <a:rPr lang="en-US" altLang="zh-TW" dirty="0" err="1"/>
+              <a:t>Rstudio</a:t>
+            </a:r>
+            <a:endParaRPr lang="en-US" altLang="zh-TW" dirty="0"/>
+          </a:p>
+          <a:p>
+            <a:r>
+              <a:rPr lang="en-US" altLang="zh-TW" dirty="0" err="1"/>
+              <a:t>Rstudio</a:t>
+            </a:r>
+            <a:r>
+              <a:rPr lang="zh-TW" altLang="en-US" dirty="0"/>
+              <a:t>介面與初步設定</a:t>
+            </a:r>
+          </a:p>
+          <a:p>
+            <a:r>
+              <a:rPr lang="zh-TW" altLang="en-US" dirty="0"/>
+              <a:t>安裝套件和</a:t>
+            </a:r>
+            <a:r>
+              <a:rPr lang="en-US" altLang="zh-TW" dirty="0"/>
+              <a:t>help</a:t>
+            </a:r>
+          </a:p>
+          <a:p>
+            <a:r>
+              <a:rPr lang="zh-TW" altLang="en-US" dirty="0"/>
+              <a:t>錯誤訊息</a:t>
+            </a:r>
+          </a:p>
+          <a:p>
+            <a:endParaRPr lang="zh-TW" altLang="en-US" dirty="0"/>
+          </a:p>
+        </p:txBody>
+      </p:sp>
+      <p:sp>
+        <p:nvSpPr>
+          <p:cNvPr id="7" name="標題 1">
+            <a:extLst>
+              <a:ext uri="{FF2B5EF4-FFF2-40B4-BE49-F238E27FC236}">
+                <a16:creationId xmlns:a16="http://schemas.microsoft.com/office/drawing/2014/main" id="{6C1E1188-1A91-4CCD-8234-0B5881165858}"/>
+              </a:ext>
+            </a:extLst>
+          </p:cNvPr>
+          <p:cNvSpPr>
+            <a:spLocks noGrp="1"/>
+          </p:cNvSpPr>
+          <p:nvPr>
+            <p:ph type="title"/>
+          </p:nvPr>
+        </p:nvSpPr>
+        <p:spPr>
+          <a:xfrm>
+            <a:off x="838200" y="365125"/>
+            <a:ext cx="10515600" cy="1325563"/>
+          </a:xfrm>
+        </p:spPr>
+        <p:txBody>
+          <a:bodyPr/>
+          <a:lstStyle/>
+          <a:p>
+            <a:r>
+              <a:rPr lang="zh-TW" altLang="en-US" b="1" dirty="0"/>
+              <a:t>大綱</a:t>
+            </a:r>
+            <a:r>
+              <a:rPr lang="en-US" altLang="zh-TW" b="1" dirty="0"/>
+              <a:t>(</a:t>
+            </a:r>
+            <a:r>
+              <a:rPr lang="zh-TW" altLang="en-US" b="1" dirty="0"/>
+              <a:t>教材主題</a:t>
+            </a:r>
+            <a:r>
+              <a:rPr lang="en-US" altLang="zh-TW" b="1" dirty="0"/>
+              <a:t>)</a:t>
+            </a:r>
+            <a:endParaRPr lang="zh-TW" altLang="en-US" dirty="0"/>
+          </a:p>
+        </p:txBody>
+      </p:sp>
+    </p:spTree>
+    <p:extLst>
+      <p:ext uri="{BB962C8B-B14F-4D97-AF65-F5344CB8AC3E}">
+        <p14:creationId xmlns:p14="http://schemas.microsoft.com/office/powerpoint/2010/main" val="3459792831"/>
+      </p:ext>
+    </p:extLst>
+  </p:cSld>
+  <p:clrMapOvr>
+    <a:masterClrMapping/>
+  </p:clrMapOvr>
+</p:sld>
+</file>
+
+<file path=ppt/slides/slide3.xml><?xml version="1.0" encoding="utf-8"?>
+<p:sld xmlns:a="http://schemas.openxmlformats.org/drawingml/2006/main" xmlns:r="http://schemas.openxmlformats.org/officeDocument/2006/relationships" xmlns:p="http://schemas.openxmlformats.org/presentationml/2006/main">
+  <p:cSld>
+    <p:spTree>
+      <p:nvGrpSpPr>
+        <p:cNvPr id="1" name=""/>
+        <p:cNvGrpSpPr/>
+        <p:nvPr/>
+      </p:nvGrpSpPr>
+      <p:grpSpPr>
+        <a:xfrm>
+          <a:off x="0" y="0"/>
+          <a:ext cx="0" cy="0"/>
+          <a:chOff x="0" y="0"/>
+          <a:chExt cx="0" cy="0"/>
+        </a:xfrm>
+      </p:grpSpPr>
+      <p:sp>
+        <p:nvSpPr>
           <p:cNvPr id="2" name="標題 1">
             <a:extLst>
               <a:ext uri="{FF2B5EF4-FFF2-40B4-BE49-F238E27FC236}">
@@ -3766,7 +4132,9 @@
           </a:xfrm>
         </p:spPr>
         <p:txBody>
-          <a:bodyPr/>
+          <a:bodyPr>
+            <a:normAutofit fontScale="92500" lnSpcReduction="10000"/>
+          </a:bodyPr>
           <a:lstStyle/>
           <a:p>
             <a:r>
@@ -3775,10 +4143,16 @@
             </a:r>
             <a:r>
               <a:rPr lang="zh-TW" altLang="en-US" dirty="0"/>
-              <a:t>是一套開放式的統計程式語言，主要用於資料分析與統計運算，使用者可以免費的下載並安裝在任何的作業系統上。</a:t>
-            </a:r>
-          </a:p>
-          <a:p>
+              <a:t>是一套開放式的統計程式語言，主要用於資料分析與統計運算，同時也具有強大的繪圖功能，</a:t>
+            </a:r>
+            <a:r>
+              <a:rPr lang="en-US" altLang="zh-TW" dirty="0"/>
+              <a:t>R</a:t>
+            </a:r>
+            <a:r>
+              <a:rPr lang="zh-TW" altLang="en-US" dirty="0"/>
+              <a:t>語言不僅是統計專業人員的研究工具，也是資料科學家經常使用的重要工具之一，使用者可以免費的下載並安裝在任何的作業系統上。</a:t>
+            </a:r>
             <a:r>
               <a:rPr lang="en-US" altLang="zh-TW" dirty="0"/>
               <a:t>R studio</a:t>
@@ -4141,7 +4515,7 @@
 </p:sld>
 </file>
 
-<file path=ppt/slides/slide3.xml><?xml version="1.0" encoding="utf-8"?>
+<file path=ppt/slides/slide4.xml><?xml version="1.0" encoding="utf-8"?>
 <p:sld xmlns:a="http://schemas.openxmlformats.org/drawingml/2006/main" xmlns:r="http://schemas.openxmlformats.org/officeDocument/2006/relationships" xmlns:p="http://schemas.openxmlformats.org/presentationml/2006/main">
   <p:cSld>
     <p:spTree>
@@ -4272,7 +4646,7 @@
 </p:sld>
 </file>
 
-<file path=ppt/slides/slide4.xml><?xml version="1.0" encoding="utf-8"?>
+<file path=ppt/slides/slide5.xml><?xml version="1.0" encoding="utf-8"?>
 <p:sld xmlns:a="http://schemas.openxmlformats.org/drawingml/2006/main" xmlns:r="http://schemas.openxmlformats.org/officeDocument/2006/relationships" xmlns:p="http://schemas.openxmlformats.org/presentationml/2006/main">
   <p:cSld>
     <p:spTree>
@@ -4403,7 +4777,7 @@
 </p:sld>
 </file>
 
-<file path=ppt/slides/slide5.xml><?xml version="1.0" encoding="utf-8"?>
+<file path=ppt/slides/slide6.xml><?xml version="1.0" encoding="utf-8"?>
 <p:sld xmlns:a="http://schemas.openxmlformats.org/drawingml/2006/main" xmlns:r="http://schemas.openxmlformats.org/officeDocument/2006/relationships" xmlns:p="http://schemas.openxmlformats.org/presentationml/2006/main">
   <p:cSld>
     <p:spTree>
@@ -4588,7 +4962,7 @@
 </p:sld>
 </file>
 
-<file path=ppt/slides/slide6.xml><?xml version="1.0" encoding="utf-8"?>
+<file path=ppt/slides/slide7.xml><?xml version="1.0" encoding="utf-8"?>
 <p:sld xmlns:a="http://schemas.openxmlformats.org/drawingml/2006/main" xmlns:r="http://schemas.openxmlformats.org/officeDocument/2006/relationships" xmlns:p="http://schemas.openxmlformats.org/presentationml/2006/main">
   <p:cSld>
     <p:spTree>
@@ -4776,7 +5150,7 @@
 </p:sld>
 </file>
 
-<file path=ppt/slides/slide7.xml><?xml version="1.0" encoding="utf-8"?>
+<file path=ppt/slides/slide8.xml><?xml version="1.0" encoding="utf-8"?>
 <p:sld xmlns:a="http://schemas.openxmlformats.org/drawingml/2006/main" xmlns:r="http://schemas.openxmlformats.org/officeDocument/2006/relationships" xmlns:p="http://schemas.openxmlformats.org/presentationml/2006/main">
   <p:cSld>
     <p:spTree>
@@ -4939,120 +5313,6 @@
 </p:sld>
 </file>
 
-<file path=ppt/slides/slide8.xml><?xml version="1.0" encoding="utf-8"?>
-<p:sld xmlns:a="http://schemas.openxmlformats.org/drawingml/2006/main" xmlns:r="http://schemas.openxmlformats.org/officeDocument/2006/relationships" xmlns:p="http://schemas.openxmlformats.org/presentationml/2006/main">
-  <p:cSld>
-    <p:spTree>
-      <p:nvGrpSpPr>
-        <p:cNvPr id="1" name=""/>
-        <p:cNvGrpSpPr/>
-        <p:nvPr/>
-      </p:nvGrpSpPr>
-      <p:grpSpPr>
-        <a:xfrm>
-          <a:off x="0" y="0"/>
-          <a:ext cx="0" cy="0"/>
-          <a:chOff x="0" y="0"/>
-          <a:chExt cx="0" cy="0"/>
-        </a:xfrm>
-      </p:grpSpPr>
-      <p:sp>
-        <p:nvSpPr>
-          <p:cNvPr id="2" name="標題 1">
-            <a:extLst>
-              <a:ext uri="{FF2B5EF4-FFF2-40B4-BE49-F238E27FC236}">
-                <a16:creationId xmlns:a16="http://schemas.microsoft.com/office/drawing/2014/main" id="{26315561-863C-411A-8729-EB16B122DB6B}"/>
-              </a:ext>
-            </a:extLst>
-          </p:cNvPr>
-          <p:cNvSpPr>
-            <a:spLocks noGrp="1"/>
-          </p:cNvSpPr>
-          <p:nvPr>
-            <p:ph type="title"/>
-          </p:nvPr>
-        </p:nvSpPr>
-        <p:spPr/>
-        <p:txBody>
-          <a:bodyPr/>
-          <a:lstStyle/>
-          <a:p>
-            <a:r>
-              <a:rPr lang="zh-TW" altLang="en-US" b="1" dirty="0"/>
-              <a:t>安裝套件和</a:t>
-            </a:r>
-            <a:r>
-              <a:rPr lang="en-US" altLang="zh-TW" b="1" dirty="0"/>
-              <a:t>help</a:t>
-            </a:r>
-            <a:endParaRPr lang="zh-TW" altLang="en-US" dirty="0"/>
-          </a:p>
-        </p:txBody>
-      </p:sp>
-      <p:sp>
-        <p:nvSpPr>
-          <p:cNvPr id="3" name="內容版面配置區 2">
-            <a:extLst>
-              <a:ext uri="{FF2B5EF4-FFF2-40B4-BE49-F238E27FC236}">
-                <a16:creationId xmlns:a16="http://schemas.microsoft.com/office/drawing/2014/main" id="{50B16F87-3638-4DC9-9F86-A0F9A3AB6E23}"/>
-              </a:ext>
-            </a:extLst>
-          </p:cNvPr>
-          <p:cNvSpPr>
-            <a:spLocks noGrp="1"/>
-          </p:cNvSpPr>
-          <p:nvPr>
-            <p:ph idx="1"/>
-          </p:nvPr>
-        </p:nvSpPr>
-        <p:spPr/>
-        <p:txBody>
-          <a:bodyPr>
-            <a:normAutofit/>
-          </a:bodyPr>
-          <a:lstStyle/>
-          <a:p>
-            <a:r>
-              <a:rPr lang="zh-TW" altLang="en-US" dirty="0"/>
-              <a:t>安裝套件：安裝只需要做一次，就是將你要的套件從網路上抓下來並安裝到你的電腦裡</a:t>
-            </a:r>
-            <a:endParaRPr lang="en-US" altLang="zh-TW" dirty="0"/>
-          </a:p>
-          <a:p>
-            <a:r>
-              <a:rPr lang="zh-TW" altLang="en-US" dirty="0"/>
-              <a:t>載入套件：確定要用的套件已經在電腦中後，在使用前，需要將該套件載入至</a:t>
-            </a:r>
-            <a:r>
-              <a:rPr lang="en-US" altLang="zh-TW" dirty="0"/>
-              <a:t>R</a:t>
-            </a:r>
-            <a:r>
-              <a:rPr lang="zh-TW" altLang="en-US" dirty="0"/>
-              <a:t>才能夠使用</a:t>
-            </a:r>
-          </a:p>
-          <a:p>
-            <a:endParaRPr lang="zh-TW" altLang="en-US" dirty="0"/>
-          </a:p>
-        </p:txBody>
-      </p:sp>
-    </p:spTree>
-    <p:custDataLst>
-      <p:tags r:id="rId1"/>
-    </p:custDataLst>
-    <p:extLst>
-      <p:ext uri="{BB962C8B-B14F-4D97-AF65-F5344CB8AC3E}">
-        <p14:creationId xmlns:p14="http://schemas.microsoft.com/office/powerpoint/2010/main" val="2151873703"/>
-      </p:ext>
-    </p:extLst>
-  </p:cSld>
-  <p:clrMapOvr>
-    <a:masterClrMapping/>
-  </p:clrMapOvr>
-</p:sld>
-</file>
-
 <file path=ppt/slides/slide9.xml><?xml version="1.0" encoding="utf-8"?>
 <p:sld xmlns:a="http://schemas.openxmlformats.org/drawingml/2006/main" xmlns:r="http://schemas.openxmlformats.org/officeDocument/2006/relationships" xmlns:p="http://schemas.openxmlformats.org/presentationml/2006/main">
   <p:cSld>
@@ -5072,10 +5332,43 @@
       </p:grpSpPr>
       <p:sp>
         <p:nvSpPr>
+          <p:cNvPr id="2" name="標題 1">
+            <a:extLst>
+              <a:ext uri="{FF2B5EF4-FFF2-40B4-BE49-F238E27FC236}">
+                <a16:creationId xmlns:a16="http://schemas.microsoft.com/office/drawing/2014/main" id="{26315561-863C-411A-8729-EB16B122DB6B}"/>
+              </a:ext>
+            </a:extLst>
+          </p:cNvPr>
+          <p:cNvSpPr>
+            <a:spLocks noGrp="1"/>
+          </p:cNvSpPr>
+          <p:nvPr>
+            <p:ph type="title"/>
+          </p:nvPr>
+        </p:nvSpPr>
+        <p:spPr/>
+        <p:txBody>
+          <a:bodyPr/>
+          <a:lstStyle/>
+          <a:p>
+            <a:r>
+              <a:rPr lang="zh-TW" altLang="en-US" b="1" dirty="0"/>
+              <a:t>安裝套件和</a:t>
+            </a:r>
+            <a:r>
+              <a:rPr lang="en-US" altLang="zh-TW" b="1" dirty="0"/>
+              <a:t>help</a:t>
+            </a:r>
+            <a:endParaRPr lang="zh-TW" altLang="en-US" dirty="0"/>
+          </a:p>
+        </p:txBody>
+      </p:sp>
+      <p:sp>
+        <p:nvSpPr>
           <p:cNvPr id="3" name="內容版面配置區 2">
             <a:extLst>
               <a:ext uri="{FF2B5EF4-FFF2-40B4-BE49-F238E27FC236}">
-                <a16:creationId xmlns:a16="http://schemas.microsoft.com/office/drawing/2014/main" id="{3FC70206-CA7A-4F44-8BB2-6BB677579D5C}"/>
+                <a16:creationId xmlns:a16="http://schemas.microsoft.com/office/drawing/2014/main" id="{50B16F87-3638-4DC9-9F86-A0F9A3AB6E23}"/>
               </a:ext>
             </a:extLst>
           </p:cNvPr>
@@ -5086,34 +5379,23 @@
             <p:ph idx="1"/>
           </p:nvPr>
         </p:nvSpPr>
-        <p:spPr>
-          <a:xfrm>
-            <a:off x="838200" y="770965"/>
-            <a:ext cx="5840506" cy="5405998"/>
-          </a:xfrm>
-        </p:spPr>
-        <p:txBody>
-          <a:bodyPr/>
+        <p:spPr/>
+        <p:txBody>
+          <a:bodyPr>
+            <a:normAutofit/>
+          </a:bodyPr>
           <a:lstStyle/>
           <a:p>
             <a:r>
               <a:rPr lang="zh-TW" altLang="en-US" dirty="0"/>
-              <a:t>例如，我們想要裝</a:t>
-            </a:r>
-            <a:r>
-              <a:rPr lang="en-US" altLang="zh-TW" dirty="0"/>
-              <a:t>haven</a:t>
-            </a:r>
+              <a:t>安裝套件：安裝只需要做一次，就是將你要的套件從網路上抓下來並安裝到你的電腦裡</a:t>
+            </a:r>
+            <a:endParaRPr lang="en-US" altLang="zh-TW" dirty="0"/>
+          </a:p>
+          <a:p>
             <a:r>
               <a:rPr lang="zh-TW" altLang="en-US" dirty="0"/>
-              <a:t>這個套件。</a:t>
-            </a:r>
-            <a:br>
-              <a:rPr lang="zh-TW" altLang="en-US" dirty="0"/>
-            </a:br>
-            <a:r>
-              <a:rPr lang="zh-TW" altLang="en-US" dirty="0"/>
-              <a:t>等</a:t>
+              <a:t>載入套件：確定要用的套件已經在電腦中後，在使用前，需要將該套件載入至</a:t>
             </a:r>
             <a:r>
               <a:rPr lang="en-US" altLang="zh-TW" dirty="0"/>
@@ -5121,45 +5403,7 @@
             </a:r>
             <a:r>
               <a:rPr lang="zh-TW" altLang="en-US" dirty="0"/>
-              <a:t>跑完安裝後，就可將這個套件載入。必須載入後才能夠使用這個套件</a:t>
-            </a:r>
-            <a:br>
-              <a:rPr lang="zh-TW" altLang="en-US" dirty="0"/>
-            </a:br>
-            <a:r>
-              <a:rPr lang="zh-TW" altLang="en-US" dirty="0"/>
-              <a:t>這個套件可以讓我們將</a:t>
-            </a:r>
-            <a:r>
-              <a:rPr lang="en-US" altLang="zh-TW" dirty="0"/>
-              <a:t>SPSS, SAS, STATA</a:t>
-            </a:r>
-            <a:r>
-              <a:rPr lang="zh-TW" altLang="en-US" dirty="0"/>
-              <a:t>等資料檔讀入</a:t>
-            </a:r>
-            <a:r>
-              <a:rPr lang="en-US" altLang="zh-TW" dirty="0"/>
-              <a:t>R</a:t>
-            </a:r>
-            <a:r>
-              <a:rPr lang="zh-TW" altLang="en-US" dirty="0"/>
-              <a:t>之中。</a:t>
-            </a:r>
-            <a:br>
-              <a:rPr lang="zh-TW" altLang="en-US" dirty="0"/>
-            </a:br>
-            <a:r>
-              <a:rPr lang="zh-TW" altLang="en-US" dirty="0"/>
-              <a:t>至於詳細的用法，我們可以用「</a:t>
-            </a:r>
-            <a:r>
-              <a:rPr lang="en-US" altLang="zh-TW" b="1" dirty="0"/>
-              <a:t>help</a:t>
-            </a:r>
-            <a:r>
-              <a:rPr lang="zh-TW" altLang="en-US" dirty="0"/>
-              <a:t>」來看這個套件的語法該如何設定</a:t>
+              <a:t>才能夠使用</a:t>
             </a:r>
           </a:p>
           <a:p>
@@ -5167,42 +5411,13 @@
           </a:p>
         </p:txBody>
       </p:sp>
-      <p:pic>
-        <p:nvPicPr>
-          <p:cNvPr id="4" name="圖片 3">
-            <a:extLst>
-              <a:ext uri="{FF2B5EF4-FFF2-40B4-BE49-F238E27FC236}">
-                <a16:creationId xmlns:a16="http://schemas.microsoft.com/office/drawing/2014/main" id="{C9977673-EF02-466E-A664-8BAD82711F00}"/>
-              </a:ext>
-            </a:extLst>
-          </p:cNvPr>
-          <p:cNvPicPr>
-            <a:picLocks noChangeAspect="1"/>
-          </p:cNvPicPr>
-          <p:nvPr/>
-        </p:nvPicPr>
-        <p:blipFill rotWithShape="1">
-          <a:blip r:embed="rId3"/>
-          <a:srcRect r="57675"/>
-          <a:stretch/>
-        </p:blipFill>
-        <p:spPr>
-          <a:xfrm>
-            <a:off x="7041776" y="365125"/>
-            <a:ext cx="4433047" cy="5892240"/>
-          </a:xfrm>
-          <a:prstGeom prst="rect">
-            <a:avLst/>
-          </a:prstGeom>
-        </p:spPr>
-      </p:pic>
     </p:spTree>
     <p:custDataLst>
       <p:tags r:id="rId1"/>
     </p:custDataLst>
     <p:extLst>
       <p:ext uri="{BB962C8B-B14F-4D97-AF65-F5344CB8AC3E}">
-        <p14:creationId xmlns:p14="http://schemas.microsoft.com/office/powerpoint/2010/main" val="4034054043"/>
+        <p14:creationId xmlns:p14="http://schemas.microsoft.com/office/powerpoint/2010/main" val="2151873703"/>
       </p:ext>
     </p:extLst>
   </p:cSld>

--- a/ppt/基礎篇1_R 與R studio的介紹.pptx
+++ b/ppt/基礎篇1_R 與R studio的介紹.pptx
@@ -9,14 +9,23 @@
     <p:sldId id="267" r:id="rId3"/>
     <p:sldId id="257" r:id="rId4"/>
     <p:sldId id="258" r:id="rId5"/>
-    <p:sldId id="259" r:id="rId6"/>
-    <p:sldId id="260" r:id="rId7"/>
-    <p:sldId id="261" r:id="rId8"/>
-    <p:sldId id="262" r:id="rId9"/>
-    <p:sldId id="263" r:id="rId10"/>
-    <p:sldId id="264" r:id="rId11"/>
-    <p:sldId id="265" r:id="rId12"/>
-    <p:sldId id="266" r:id="rId13"/>
+    <p:sldId id="269" r:id="rId6"/>
+    <p:sldId id="268" r:id="rId7"/>
+    <p:sldId id="259" r:id="rId8"/>
+    <p:sldId id="260" r:id="rId9"/>
+    <p:sldId id="261" r:id="rId10"/>
+    <p:sldId id="262" r:id="rId11"/>
+    <p:sldId id="270" r:id="rId12"/>
+    <p:sldId id="263" r:id="rId13"/>
+    <p:sldId id="271" r:id="rId14"/>
+    <p:sldId id="272" r:id="rId15"/>
+    <p:sldId id="273" r:id="rId16"/>
+    <p:sldId id="276" r:id="rId17"/>
+    <p:sldId id="274" r:id="rId18"/>
+    <p:sldId id="277" r:id="rId19"/>
+    <p:sldId id="265" r:id="rId20"/>
+    <p:sldId id="278" r:id="rId21"/>
+    <p:sldId id="266" r:id="rId22"/>
   </p:sldIdLst>
   <p:sldSz cx="12192000" cy="6858000"/>
   <p:notesSz cx="6858000" cy="9144000"/>
@@ -270,7 +279,7 @@
           <a:p>
             <a:fld id="{9449D47F-9350-4D75-8BE7-C25999CDD34D}" type="datetimeFigureOut">
               <a:rPr lang="zh-TW" altLang="en-US" smtClean="0"/>
-              <a:t>2023/8/20</a:t>
+              <a:t>2023/9/20</a:t>
             </a:fld>
             <a:endParaRPr lang="zh-TW" altLang="en-US"/>
           </a:p>
@@ -468,7 +477,7 @@
           <a:p>
             <a:fld id="{9449D47F-9350-4D75-8BE7-C25999CDD34D}" type="datetimeFigureOut">
               <a:rPr lang="zh-TW" altLang="en-US" smtClean="0"/>
-              <a:t>2023/8/20</a:t>
+              <a:t>2023/9/20</a:t>
             </a:fld>
             <a:endParaRPr lang="zh-TW" altLang="en-US"/>
           </a:p>
@@ -676,7 +685,7 @@
           <a:p>
             <a:fld id="{9449D47F-9350-4D75-8BE7-C25999CDD34D}" type="datetimeFigureOut">
               <a:rPr lang="zh-TW" altLang="en-US" smtClean="0"/>
-              <a:t>2023/8/20</a:t>
+              <a:t>2023/9/20</a:t>
             </a:fld>
             <a:endParaRPr lang="zh-TW" altLang="en-US"/>
           </a:p>
@@ -874,7 +883,7 @@
           <a:p>
             <a:fld id="{9449D47F-9350-4D75-8BE7-C25999CDD34D}" type="datetimeFigureOut">
               <a:rPr lang="zh-TW" altLang="en-US" smtClean="0"/>
-              <a:t>2023/8/20</a:t>
+              <a:t>2023/9/20</a:t>
             </a:fld>
             <a:endParaRPr lang="zh-TW" altLang="en-US"/>
           </a:p>
@@ -1149,7 +1158,7 @@
           <a:p>
             <a:fld id="{9449D47F-9350-4D75-8BE7-C25999CDD34D}" type="datetimeFigureOut">
               <a:rPr lang="zh-TW" altLang="en-US" smtClean="0"/>
-              <a:t>2023/8/20</a:t>
+              <a:t>2023/9/20</a:t>
             </a:fld>
             <a:endParaRPr lang="zh-TW" altLang="en-US"/>
           </a:p>
@@ -1414,7 +1423,7 @@
           <a:p>
             <a:fld id="{9449D47F-9350-4D75-8BE7-C25999CDD34D}" type="datetimeFigureOut">
               <a:rPr lang="zh-TW" altLang="en-US" smtClean="0"/>
-              <a:t>2023/8/20</a:t>
+              <a:t>2023/9/20</a:t>
             </a:fld>
             <a:endParaRPr lang="zh-TW" altLang="en-US"/>
           </a:p>
@@ -1826,7 +1835,7 @@
           <a:p>
             <a:fld id="{9449D47F-9350-4D75-8BE7-C25999CDD34D}" type="datetimeFigureOut">
               <a:rPr lang="zh-TW" altLang="en-US" smtClean="0"/>
-              <a:t>2023/8/20</a:t>
+              <a:t>2023/9/20</a:t>
             </a:fld>
             <a:endParaRPr lang="zh-TW" altLang="en-US"/>
           </a:p>
@@ -1967,7 +1976,7 @@
           <a:p>
             <a:fld id="{9449D47F-9350-4D75-8BE7-C25999CDD34D}" type="datetimeFigureOut">
               <a:rPr lang="zh-TW" altLang="en-US" smtClean="0"/>
-              <a:t>2023/8/20</a:t>
+              <a:t>2023/9/20</a:t>
             </a:fld>
             <a:endParaRPr lang="zh-TW" altLang="en-US"/>
           </a:p>
@@ -2080,7 +2089,7 @@
           <a:p>
             <a:fld id="{9449D47F-9350-4D75-8BE7-C25999CDD34D}" type="datetimeFigureOut">
               <a:rPr lang="zh-TW" altLang="en-US" smtClean="0"/>
-              <a:t>2023/8/20</a:t>
+              <a:t>2023/9/20</a:t>
             </a:fld>
             <a:endParaRPr lang="zh-TW" altLang="en-US"/>
           </a:p>
@@ -2391,7 +2400,7 @@
           <a:p>
             <a:fld id="{9449D47F-9350-4D75-8BE7-C25999CDD34D}" type="datetimeFigureOut">
               <a:rPr lang="zh-TW" altLang="en-US" smtClean="0"/>
-              <a:t>2023/8/20</a:t>
+              <a:t>2023/9/20</a:t>
             </a:fld>
             <a:endParaRPr lang="zh-TW" altLang="en-US"/>
           </a:p>
@@ -2679,7 +2688,7 @@
           <a:p>
             <a:fld id="{9449D47F-9350-4D75-8BE7-C25999CDD34D}" type="datetimeFigureOut">
               <a:rPr lang="zh-TW" altLang="en-US" smtClean="0"/>
-              <a:t>2023/8/20</a:t>
+              <a:t>2023/9/20</a:t>
             </a:fld>
             <a:endParaRPr lang="zh-TW" altLang="en-US"/>
           </a:p>
@@ -2920,7 +2929,7 @@
           <a:p>
             <a:fld id="{9449D47F-9350-4D75-8BE7-C25999CDD34D}" type="datetimeFigureOut">
               <a:rPr lang="zh-TW" altLang="en-US" smtClean="0"/>
-              <a:t>2023/8/20</a:t>
+              <a:t>2023/9/20</a:t>
             </a:fld>
             <a:endParaRPr lang="zh-TW" altLang="en-US"/>
           </a:p>
@@ -3445,10 +3454,39 @@
       </p:grpSpPr>
       <p:sp>
         <p:nvSpPr>
+          <p:cNvPr id="2" name="標題 1">
+            <a:extLst>
+              <a:ext uri="{FF2B5EF4-FFF2-40B4-BE49-F238E27FC236}">
+                <a16:creationId xmlns:a16="http://schemas.microsoft.com/office/drawing/2014/main" id="{E1B452CF-5350-41A2-9F93-8F70A80FE906}"/>
+              </a:ext>
+            </a:extLst>
+          </p:cNvPr>
+          <p:cNvSpPr>
+            <a:spLocks noGrp="1"/>
+          </p:cNvSpPr>
+          <p:nvPr>
+            <p:ph type="title"/>
+          </p:nvPr>
+        </p:nvSpPr>
+        <p:spPr/>
+        <p:txBody>
+          <a:bodyPr/>
+          <a:lstStyle/>
+          <a:p>
+            <a:r>
+              <a:rPr lang="zh-TW" altLang="en-US" b="1" dirty="0"/>
+              <a:t>小技巧</a:t>
+            </a:r>
+            <a:endParaRPr lang="zh-TW" altLang="en-US" dirty="0"/>
+          </a:p>
+        </p:txBody>
+      </p:sp>
+      <p:sp>
+        <p:nvSpPr>
           <p:cNvPr id="3" name="內容版面配置區 2">
             <a:extLst>
               <a:ext uri="{FF2B5EF4-FFF2-40B4-BE49-F238E27FC236}">
-                <a16:creationId xmlns:a16="http://schemas.microsoft.com/office/drawing/2014/main" id="{3FC70206-CA7A-4F44-8BB2-6BB677579D5C}"/>
+                <a16:creationId xmlns:a16="http://schemas.microsoft.com/office/drawing/2014/main" id="{9D99FD3C-FEA3-4D62-8152-B3B71E51F91F}"/>
               </a:ext>
             </a:extLst>
           </p:cNvPr>
@@ -3461,32 +3499,39 @@
         </p:nvSpPr>
         <p:spPr>
           <a:xfrm>
-            <a:off x="838200" y="770965"/>
-            <a:ext cx="5840506" cy="5405998"/>
+            <a:off x="838200" y="1825625"/>
+            <a:ext cx="4944035" cy="4046257"/>
           </a:xfrm>
         </p:spPr>
         <p:txBody>
           <a:bodyPr/>
           <a:lstStyle/>
           <a:p>
+            <a:pPr marL="0" indent="0">
+              <a:buNone/>
+            </a:pPr>
             <a:r>
               <a:rPr lang="zh-TW" altLang="en-US" dirty="0"/>
-              <a:t>例如，我們想要裝</a:t>
-            </a:r>
-            <a:r>
-              <a:rPr lang="en-US" altLang="zh-TW" dirty="0"/>
-              <a:t>haven</a:t>
+              <a:t>可以在上述地方察看快捷鍵的指令， 也有一些常用的</a:t>
+            </a:r>
+            <a:r>
+              <a:rPr lang="zh-TW" altLang="en-US" dirty="0">
+                <a:hlinkClick r:id="rId3"/>
+              </a:rPr>
+              <a:t>快捷鍵整理</a:t>
             </a:r>
             <a:r>
               <a:rPr lang="zh-TW" altLang="en-US" dirty="0"/>
-              <a:t>這個套件。</a:t>
-            </a:r>
-            <a:br>
+              <a:t>提供參考</a:t>
+            </a:r>
+          </a:p>
+          <a:p>
+            <a:pPr marL="0" indent="0">
+              <a:buNone/>
+            </a:pPr>
+            <a:r>
               <a:rPr lang="zh-TW" altLang="en-US" dirty="0"/>
-            </a:br>
-            <a:r>
-              <a:rPr lang="zh-TW" altLang="en-US" dirty="0"/>
-              <a:t>等</a:t>
+              <a:t>另外比較重要的是</a:t>
             </a:r>
             <a:r>
               <a:rPr lang="en-US" altLang="zh-TW" dirty="0"/>
@@ -3494,46 +3539,13 @@
             </a:r>
             <a:r>
               <a:rPr lang="zh-TW" altLang="en-US" dirty="0"/>
-              <a:t>跑完安裝後，就可將這個套件載入。必須載入後才能夠使用這個套件</a:t>
-            </a:r>
-            <a:br>
-              <a:rPr lang="zh-TW" altLang="en-US" dirty="0"/>
-            </a:br>
-            <a:r>
-              <a:rPr lang="zh-TW" altLang="en-US" dirty="0"/>
-              <a:t>這個套件可以讓我們將</a:t>
-            </a:r>
-            <a:r>
-              <a:rPr lang="en-US" altLang="zh-TW" dirty="0"/>
-              <a:t>SPSS, SAS, STATA</a:t>
-            </a:r>
-            <a:r>
-              <a:rPr lang="zh-TW" altLang="en-US" dirty="0"/>
-              <a:t>等資料檔讀入</a:t>
-            </a:r>
-            <a:r>
-              <a:rPr lang="en-US" altLang="zh-TW" dirty="0"/>
-              <a:t>R</a:t>
-            </a:r>
-            <a:r>
-              <a:rPr lang="zh-TW" altLang="en-US" dirty="0"/>
-              <a:t>之中。</a:t>
-            </a:r>
-            <a:br>
-              <a:rPr lang="zh-TW" altLang="en-US" dirty="0"/>
-            </a:br>
-            <a:r>
-              <a:rPr lang="zh-TW" altLang="en-US" dirty="0"/>
-              <a:t>至於詳細的用法，我們可以用「</a:t>
+              <a:t>的註解標籤是</a:t>
             </a:r>
             <a:r>
               <a:rPr lang="en-US" altLang="zh-TW" b="1" dirty="0"/>
-              <a:t>help</a:t>
-            </a:r>
-            <a:r>
-              <a:rPr lang="zh-TW" altLang="en-US" dirty="0"/>
-              <a:t>」來看這個套件的語法該如何設定</a:t>
-            </a:r>
+              <a:t>#</a:t>
+            </a:r>
+            <a:endParaRPr lang="zh-TW" altLang="en-US" dirty="0"/>
           </a:p>
           <a:p>
             <a:endParaRPr lang="zh-TW" altLang="en-US" dirty="0"/>
@@ -3545,7 +3557,7 @@
           <p:cNvPr id="4" name="圖片 3">
             <a:extLst>
               <a:ext uri="{FF2B5EF4-FFF2-40B4-BE49-F238E27FC236}">
-                <a16:creationId xmlns:a16="http://schemas.microsoft.com/office/drawing/2014/main" id="{C9977673-EF02-466E-A664-8BAD82711F00}"/>
+                <a16:creationId xmlns:a16="http://schemas.microsoft.com/office/drawing/2014/main" id="{513E3C8B-2A1B-441A-B9B0-99D4B7FC1934}"/>
               </a:ext>
             </a:extLst>
           </p:cNvPr>
@@ -3554,15 +3566,16 @@
           </p:cNvPicPr>
           <p:nvPr/>
         </p:nvPicPr>
-        <p:blipFill rotWithShape="1">
-          <a:blip r:embed="rId3"/>
-          <a:srcRect r="57675"/>
-          <a:stretch/>
+        <p:blipFill>
+          <a:blip r:embed="rId4"/>
+          <a:stretch>
+            <a:fillRect/>
+          </a:stretch>
         </p:blipFill>
         <p:spPr>
           <a:xfrm>
-            <a:off x="7041776" y="365125"/>
-            <a:ext cx="4433047" cy="5892240"/>
+            <a:off x="6813176" y="796178"/>
+            <a:ext cx="3962400" cy="4781550"/>
           </a:xfrm>
           <a:prstGeom prst="rect">
             <a:avLst/>
@@ -3575,7 +3588,7 @@
     </p:custDataLst>
     <p:extLst>
       <p:ext uri="{BB962C8B-B14F-4D97-AF65-F5344CB8AC3E}">
-        <p14:creationId xmlns:p14="http://schemas.microsoft.com/office/powerpoint/2010/main" val="4034054043"/>
+        <p14:creationId xmlns:p14="http://schemas.microsoft.com/office/powerpoint/2010/main" val="2471121191"/>
       </p:ext>
     </p:extLst>
   </p:cSld>
@@ -3625,50 +3638,71 @@
           <a:p>
             <a:r>
               <a:rPr lang="zh-TW" altLang="en-US" b="1" dirty="0"/>
-              <a:t>安裝講義所用套件</a:t>
+              <a:t>小技巧</a:t>
             </a:r>
             <a:endParaRPr lang="zh-TW" altLang="en-US" dirty="0"/>
           </a:p>
         </p:txBody>
       </p:sp>
-      <p:pic>
-        <p:nvPicPr>
-          <p:cNvPr id="4" name="內容版面配置區 3">
-            <a:extLst>
-              <a:ext uri="{FF2B5EF4-FFF2-40B4-BE49-F238E27FC236}">
-                <a16:creationId xmlns:a16="http://schemas.microsoft.com/office/drawing/2014/main" id="{E332003E-632E-426F-A2EB-18782C017E03}"/>
-              </a:ext>
-            </a:extLst>
-          </p:cNvPr>
-          <p:cNvPicPr>
-            <a:picLocks noGrp="1" noChangeAspect="1"/>
-          </p:cNvPicPr>
+      <p:sp>
+        <p:nvSpPr>
+          <p:cNvPr id="3" name="內容版面配置區 2">
+            <a:extLst>
+              <a:ext uri="{FF2B5EF4-FFF2-40B4-BE49-F238E27FC236}">
+                <a16:creationId xmlns:a16="http://schemas.microsoft.com/office/drawing/2014/main" id="{9D99FD3C-FEA3-4D62-8152-B3B71E51F91F}"/>
+              </a:ext>
+            </a:extLst>
+          </p:cNvPr>
+          <p:cNvSpPr>
+            <a:spLocks noGrp="1"/>
+          </p:cNvSpPr>
           <p:nvPr>
             <p:ph idx="1"/>
           </p:nvPr>
-        </p:nvPicPr>
-        <p:blipFill rotWithShape="1">
-          <a:blip r:embed="rId3"/>
-          <a:srcRect r="29744"/>
-          <a:stretch/>
-        </p:blipFill>
+        </p:nvSpPr>
         <p:spPr>
           <a:xfrm>
-            <a:off x="1197600" y="2009498"/>
-            <a:ext cx="9524539" cy="3291347"/>
+            <a:off x="838200" y="1825625"/>
+            <a:ext cx="4944035" cy="4046257"/>
           </a:xfrm>
-          <a:prstGeom prst="rect">
-            <a:avLst/>
-          </a:prstGeom>
         </p:spPr>
-      </p:pic>
+        <p:txBody>
+          <a:bodyPr/>
+          <a:lstStyle/>
+          <a:p>
+            <a:pPr marL="0" indent="0">
+              <a:buNone/>
+            </a:pPr>
+            <a:r>
+              <a:rPr lang="zh-TW" altLang="en-US" dirty="0"/>
+              <a:t>另外比較重要的是</a:t>
+            </a:r>
+            <a:r>
+              <a:rPr lang="en-US" altLang="zh-TW" dirty="0"/>
+              <a:t>R</a:t>
+            </a:r>
+            <a:r>
+              <a:rPr lang="zh-TW" altLang="en-US" dirty="0"/>
+              <a:t>的註解標籤是</a:t>
+            </a:r>
+            <a:r>
+              <a:rPr lang="en-US" altLang="zh-TW" b="1" dirty="0"/>
+              <a:t>#</a:t>
+            </a:r>
+            <a:endParaRPr lang="zh-TW" altLang="en-US" dirty="0"/>
+          </a:p>
+          <a:p>
+            <a:endParaRPr lang="zh-TW" altLang="en-US" dirty="0"/>
+          </a:p>
+        </p:txBody>
+      </p:sp>
     </p:spTree>
     <p:custDataLst>
       <p:tags r:id="rId1"/>
     </p:custDataLst>
     <p:extLst>
       <p:ext uri="{BB962C8B-B14F-4D97-AF65-F5344CB8AC3E}">
-        <p14:creationId xmlns:p14="http://schemas.microsoft.com/office/powerpoint/2010/main" val="65132230"/>
+        <p14:creationId xmlns:p14="http://schemas.microsoft.com/office/powerpoint/2010/main" val="3289132736"/>
       </p:ext>
     </p:extLst>
   </p:cSld>
@@ -3716,11 +3750,37 @@
           <a:bodyPr/>
           <a:lstStyle/>
           <a:p>
-            <a:r>
-              <a:rPr lang="zh-TW" altLang="en-US" b="1" dirty="0"/>
-              <a:t>錯誤訊息</a:t>
-            </a:r>
-            <a:endParaRPr lang="zh-TW" altLang="en-US" dirty="0"/>
+            <a:pPr algn="l"/>
+            <a:r>
+              <a:rPr lang="zh-TW" altLang="en-US" b="1" i="0" dirty="0">
+                <a:solidFill>
+                  <a:srgbClr val="333333"/>
+                </a:solidFill>
+                <a:effectLst/>
+                <a:latin typeface="Helvetica Neue"/>
+              </a:rPr>
+              <a:t>簡介</a:t>
+            </a:r>
+            <a:r>
+              <a:rPr lang="en-US" altLang="zh-TW" b="1" i="0" dirty="0">
+                <a:solidFill>
+                  <a:srgbClr val="333333"/>
+                </a:solidFill>
+                <a:effectLst/>
+                <a:latin typeface="Helvetica Neue"/>
+              </a:rPr>
+              <a:t>R</a:t>
+            </a:r>
+            <a:r>
+              <a:rPr lang="zh-TW" altLang="en-US" b="1" i="0" dirty="0">
+                <a:solidFill>
+                  <a:srgbClr val="333333"/>
+                </a:solidFill>
+                <a:effectLst/>
+                <a:latin typeface="Helvetica Neue"/>
+              </a:rPr>
+              <a:t>套件</a:t>
+            </a:r>
           </a:p>
         </p:txBody>
       </p:sp>
@@ -3742,89 +3802,103 @@
         </p:nvSpPr>
         <p:spPr/>
         <p:txBody>
-          <a:bodyPr/>
-          <a:lstStyle/>
-          <a:p>
-            <a:pPr marL="0" indent="0">
-              <a:buNone/>
-            </a:pPr>
-            <a:r>
-              <a:rPr lang="zh-TW" altLang="en-US" dirty="0"/>
-              <a:t>在按鍵或執行程式時可能會遇到一些錯誤訊息，</a:t>
-            </a:r>
-          </a:p>
-          <a:p>
-            <a:pPr marL="0" indent="0">
-              <a:buNone/>
-            </a:pPr>
-            <a:r>
-              <a:rPr lang="zh-TW" altLang="en-US" dirty="0"/>
-              <a:t>常見的錯誤訊息如下</a:t>
-            </a:r>
-            <a:r>
-              <a:rPr lang="en-US" altLang="zh-TW" dirty="0">
-                <a:hlinkClick r:id="rId3"/>
+          <a:bodyPr>
+            <a:normAutofit/>
+          </a:bodyPr>
+          <a:lstStyle/>
+          <a:p>
+            <a:r>
+              <a:rPr lang="en-US" altLang="zh-TW" b="0" i="0" dirty="0">
+                <a:solidFill>
+                  <a:srgbClr val="333333"/>
+                </a:solidFill>
+                <a:effectLst/>
+                <a:latin typeface="Helvetica Neue"/>
+              </a:rPr>
+              <a:t>R</a:t>
+            </a:r>
+            <a:r>
+              <a:rPr lang="zh-TW" altLang="en-US" b="0" i="0" dirty="0">
+                <a:solidFill>
+                  <a:srgbClr val="333333"/>
+                </a:solidFill>
+                <a:effectLst/>
+                <a:latin typeface="Helvetica Neue"/>
+              </a:rPr>
+              <a:t>語言有很多的套件，這些套件可以簡單理解為「特定目的的函式、文件、資料之集合」</a:t>
+            </a:r>
+            <a:r>
+              <a:rPr lang="en-US" altLang="zh-TW" b="0" i="0" dirty="0">
+                <a:solidFill>
+                  <a:srgbClr val="333333"/>
+                </a:solidFill>
+                <a:effectLst/>
+                <a:latin typeface="Helvetica Neue"/>
               </a:rPr>
               <a:t>(</a:t>
             </a:r>
             <a:r>
-              <a:rPr lang="zh-TW" altLang="en-US" dirty="0">
+              <a:rPr lang="zh-TW" altLang="en-US" b="0" i="0" u="none" strike="noStrike" dirty="0">
+                <a:solidFill>
+                  <a:srgbClr val="4183C4"/>
+                </a:solidFill>
+                <a:effectLst/>
+                <a:latin typeface="Helvetica Neue"/>
                 <a:hlinkClick r:id="rId3"/>
               </a:rPr>
               <a:t>參考</a:t>
             </a:r>
             <a:r>
-              <a:rPr lang="en-US" altLang="zh-TW" dirty="0">
-                <a:hlinkClick r:id="rId3"/>
+              <a:rPr lang="en-US" altLang="zh-TW" b="0" i="0" dirty="0">
+                <a:solidFill>
+                  <a:srgbClr val="333333"/>
+                </a:solidFill>
+                <a:effectLst/>
+                <a:latin typeface="Helvetica Neue"/>
               </a:rPr>
               <a:t>)</a:t>
             </a:r>
-            <a:r>
-              <a:rPr lang="en-US" altLang="zh-TW" dirty="0"/>
-              <a:t>:</a:t>
-            </a:r>
-          </a:p>
-          <a:p>
-            <a:r>
-              <a:rPr lang="en-US" altLang="zh-TW" dirty="0"/>
-              <a:t>Message</a:t>
-            </a:r>
-            <a:r>
-              <a:rPr lang="zh-TW" altLang="en-US" dirty="0"/>
-              <a:t>：有可能的錯誤通知，程式會繼續執行</a:t>
-            </a:r>
-          </a:p>
-          <a:p>
-            <a:r>
-              <a:rPr lang="en-US" altLang="zh-TW" dirty="0"/>
-              <a:t>Warning</a:t>
-            </a:r>
-            <a:r>
-              <a:rPr lang="zh-TW" altLang="en-US" dirty="0"/>
-              <a:t>：有錯誤，但是不會影響太多，程式會繼續執行</a:t>
-            </a:r>
-          </a:p>
-          <a:p>
-            <a:r>
-              <a:rPr lang="en-US" altLang="zh-TW" dirty="0"/>
-              <a:t>Error</a:t>
-            </a:r>
-            <a:r>
-              <a:rPr lang="zh-TW" altLang="en-US" dirty="0"/>
-              <a:t>：有錯，而且無法繼續執行程式</a:t>
-            </a:r>
-          </a:p>
-          <a:p>
-            <a:r>
-              <a:rPr lang="en-US" altLang="zh-TW" dirty="0"/>
-              <a:t>Condition</a:t>
-            </a:r>
-            <a:r>
-              <a:rPr lang="zh-TW" altLang="en-US" dirty="0"/>
-              <a:t>：可能會發生的情況</a:t>
-            </a:r>
-          </a:p>
-          <a:p>
+          </a:p>
+          <a:p>
+            <a:endParaRPr lang="en-US" altLang="zh-TW" b="0" i="0" dirty="0">
+              <a:solidFill>
+                <a:srgbClr val="333333"/>
+              </a:solidFill>
+              <a:effectLst/>
+              <a:latin typeface="Helvetica Neue"/>
+            </a:endParaRPr>
+          </a:p>
+          <a:p>
+            <a:r>
+              <a:rPr lang="zh-TW" altLang="en-US" b="0" i="0" dirty="0">
+                <a:solidFill>
+                  <a:srgbClr val="333333"/>
+                </a:solidFill>
+                <a:effectLst/>
+                <a:latin typeface="Helvetica Neue"/>
+              </a:rPr>
+              <a:t>這些套件有些是下載完就內建的，有些是需要外部安裝的，而</a:t>
+            </a:r>
+            <a:r>
+              <a:rPr lang="en-US" altLang="zh-TW" b="0" i="0" dirty="0">
+                <a:solidFill>
+                  <a:srgbClr val="333333"/>
+                </a:solidFill>
+                <a:effectLst/>
+                <a:latin typeface="Helvetica Neue"/>
+              </a:rPr>
+              <a:t>R</a:t>
+            </a:r>
+            <a:r>
+              <a:rPr lang="zh-TW" altLang="en-US" b="0" i="0" dirty="0">
+                <a:solidFill>
+                  <a:srgbClr val="333333"/>
+                </a:solidFill>
+                <a:effectLst/>
+                <a:latin typeface="Helvetica Neue"/>
+              </a:rPr>
+              <a:t>語言的強大之處也建立在這些套件上</a:t>
+            </a:r>
             <a:endParaRPr lang="zh-TW" altLang="en-US" dirty="0"/>
           </a:p>
         </p:txBody>
@@ -3835,7 +3909,1624 @@
     </p:custDataLst>
     <p:extLst>
       <p:ext uri="{BB962C8B-B14F-4D97-AF65-F5344CB8AC3E}">
-        <p14:creationId xmlns:p14="http://schemas.microsoft.com/office/powerpoint/2010/main" val="922086824"/>
+        <p14:creationId xmlns:p14="http://schemas.microsoft.com/office/powerpoint/2010/main" val="2151873703"/>
+      </p:ext>
+    </p:extLst>
+  </p:cSld>
+  <p:clrMapOvr>
+    <a:masterClrMapping/>
+  </p:clrMapOvr>
+</p:sld>
+</file>
+
+<file path=ppt/slides/slide13.xml><?xml version="1.0" encoding="utf-8"?>
+<p:sld xmlns:a="http://schemas.openxmlformats.org/drawingml/2006/main" xmlns:r="http://schemas.openxmlformats.org/officeDocument/2006/relationships" xmlns:p="http://schemas.openxmlformats.org/presentationml/2006/main">
+  <p:cSld>
+    <p:spTree>
+      <p:nvGrpSpPr>
+        <p:cNvPr id="1" name=""/>
+        <p:cNvGrpSpPr/>
+        <p:nvPr/>
+      </p:nvGrpSpPr>
+      <p:grpSpPr>
+        <a:xfrm>
+          <a:off x="0" y="0"/>
+          <a:ext cx="0" cy="0"/>
+          <a:chOff x="0" y="0"/>
+          <a:chExt cx="0" cy="0"/>
+        </a:xfrm>
+      </p:grpSpPr>
+      <p:sp>
+        <p:nvSpPr>
+          <p:cNvPr id="2" name="標題 1">
+            <a:extLst>
+              <a:ext uri="{FF2B5EF4-FFF2-40B4-BE49-F238E27FC236}">
+                <a16:creationId xmlns:a16="http://schemas.microsoft.com/office/drawing/2014/main" id="{26315561-863C-411A-8729-EB16B122DB6B}"/>
+              </a:ext>
+            </a:extLst>
+          </p:cNvPr>
+          <p:cNvSpPr>
+            <a:spLocks noGrp="1"/>
+          </p:cNvSpPr>
+          <p:nvPr>
+            <p:ph type="title"/>
+          </p:nvPr>
+        </p:nvSpPr>
+        <p:spPr/>
+        <p:txBody>
+          <a:bodyPr/>
+          <a:lstStyle/>
+          <a:p>
+            <a:pPr algn="l"/>
+            <a:r>
+              <a:rPr lang="zh-TW" altLang="en-US" b="1" i="0" dirty="0">
+                <a:solidFill>
+                  <a:srgbClr val="333333"/>
+                </a:solidFill>
+                <a:effectLst/>
+                <a:latin typeface="Helvetica Neue"/>
+              </a:rPr>
+              <a:t>簡介</a:t>
+            </a:r>
+            <a:r>
+              <a:rPr lang="en-US" altLang="zh-TW" b="1" i="0" dirty="0">
+                <a:solidFill>
+                  <a:srgbClr val="333333"/>
+                </a:solidFill>
+                <a:effectLst/>
+                <a:latin typeface="Helvetica Neue"/>
+              </a:rPr>
+              <a:t>R</a:t>
+            </a:r>
+            <a:r>
+              <a:rPr lang="zh-TW" altLang="en-US" b="1" i="0" dirty="0">
+                <a:solidFill>
+                  <a:srgbClr val="333333"/>
+                </a:solidFill>
+                <a:effectLst/>
+                <a:latin typeface="Helvetica Neue"/>
+              </a:rPr>
+              <a:t>套件</a:t>
+            </a:r>
+          </a:p>
+        </p:txBody>
+      </p:sp>
+      <p:sp>
+        <p:nvSpPr>
+          <p:cNvPr id="3" name="內容版面配置區 2">
+            <a:extLst>
+              <a:ext uri="{FF2B5EF4-FFF2-40B4-BE49-F238E27FC236}">
+                <a16:creationId xmlns:a16="http://schemas.microsoft.com/office/drawing/2014/main" id="{50B16F87-3638-4DC9-9F86-A0F9A3AB6E23}"/>
+              </a:ext>
+            </a:extLst>
+          </p:cNvPr>
+          <p:cNvSpPr>
+            <a:spLocks noGrp="1"/>
+          </p:cNvSpPr>
+          <p:nvPr>
+            <p:ph idx="1"/>
+          </p:nvPr>
+        </p:nvSpPr>
+        <p:spPr/>
+        <p:txBody>
+          <a:bodyPr>
+            <a:normAutofit/>
+          </a:bodyPr>
+          <a:lstStyle/>
+          <a:p>
+            <a:r>
+              <a:rPr lang="en-US" altLang="zh-TW" b="0" i="0" dirty="0">
+                <a:solidFill>
+                  <a:srgbClr val="333333"/>
+                </a:solidFill>
+                <a:effectLst/>
+                <a:latin typeface="Helvetica Neue"/>
+              </a:rPr>
+              <a:t>R</a:t>
+            </a:r>
+            <a:r>
+              <a:rPr lang="zh-TW" altLang="en-US" b="0" i="0" dirty="0">
+                <a:solidFill>
+                  <a:srgbClr val="333333"/>
+                </a:solidFill>
+                <a:effectLst/>
+                <a:latin typeface="Helvetica Neue"/>
+              </a:rPr>
+              <a:t>語言有很多的套件，這些套件可以簡單理解為「特定目的的函式、文件、資料之集合」</a:t>
+            </a:r>
+            <a:r>
+              <a:rPr lang="en-US" altLang="zh-TW" b="0" i="0" dirty="0">
+                <a:solidFill>
+                  <a:srgbClr val="333333"/>
+                </a:solidFill>
+                <a:effectLst/>
+                <a:latin typeface="Helvetica Neue"/>
+              </a:rPr>
+              <a:t>(</a:t>
+            </a:r>
+            <a:r>
+              <a:rPr lang="zh-TW" altLang="en-US" b="0" i="0" u="none" strike="noStrike" dirty="0">
+                <a:solidFill>
+                  <a:srgbClr val="4183C4"/>
+                </a:solidFill>
+                <a:effectLst/>
+                <a:latin typeface="Helvetica Neue"/>
+                <a:hlinkClick r:id="rId3"/>
+              </a:rPr>
+              <a:t>參考</a:t>
+            </a:r>
+            <a:r>
+              <a:rPr lang="en-US" altLang="zh-TW" b="0" i="0" dirty="0">
+                <a:solidFill>
+                  <a:srgbClr val="333333"/>
+                </a:solidFill>
+                <a:effectLst/>
+                <a:latin typeface="Helvetica Neue"/>
+              </a:rPr>
+              <a:t>)</a:t>
+            </a:r>
+          </a:p>
+          <a:p>
+            <a:endParaRPr lang="en-US" altLang="zh-TW" b="0" i="0" dirty="0">
+              <a:solidFill>
+                <a:srgbClr val="333333"/>
+              </a:solidFill>
+              <a:effectLst/>
+              <a:latin typeface="Helvetica Neue"/>
+            </a:endParaRPr>
+          </a:p>
+          <a:p>
+            <a:r>
+              <a:rPr lang="zh-TW" altLang="en-US" b="0" i="0" dirty="0">
+                <a:solidFill>
+                  <a:srgbClr val="333333"/>
+                </a:solidFill>
+                <a:effectLst/>
+                <a:latin typeface="Helvetica Neue"/>
+              </a:rPr>
+              <a:t>這些套件有些是下載完就內建的，有些是需要外部安裝的，而</a:t>
+            </a:r>
+            <a:r>
+              <a:rPr lang="en-US" altLang="zh-TW" b="0" i="0" dirty="0">
+                <a:solidFill>
+                  <a:srgbClr val="333333"/>
+                </a:solidFill>
+                <a:effectLst/>
+                <a:latin typeface="Helvetica Neue"/>
+              </a:rPr>
+              <a:t>R</a:t>
+            </a:r>
+            <a:r>
+              <a:rPr lang="zh-TW" altLang="en-US" b="0" i="0" dirty="0">
+                <a:solidFill>
+                  <a:srgbClr val="333333"/>
+                </a:solidFill>
+                <a:effectLst/>
+                <a:latin typeface="Helvetica Neue"/>
+              </a:rPr>
+              <a:t>語言的強大之處也建立在這些套件上</a:t>
+            </a:r>
+            <a:endParaRPr lang="zh-TW" altLang="en-US" dirty="0"/>
+          </a:p>
+        </p:txBody>
+      </p:sp>
+    </p:spTree>
+    <p:custDataLst>
+      <p:tags r:id="rId1"/>
+    </p:custDataLst>
+    <p:extLst>
+      <p:ext uri="{BB962C8B-B14F-4D97-AF65-F5344CB8AC3E}">
+        <p14:creationId xmlns:p14="http://schemas.microsoft.com/office/powerpoint/2010/main" val="786830554"/>
+      </p:ext>
+    </p:extLst>
+  </p:cSld>
+  <p:clrMapOvr>
+    <a:masterClrMapping/>
+  </p:clrMapOvr>
+</p:sld>
+</file>
+
+<file path=ppt/slides/slide14.xml><?xml version="1.0" encoding="utf-8"?>
+<p:sld xmlns:a="http://schemas.openxmlformats.org/drawingml/2006/main" xmlns:r="http://schemas.openxmlformats.org/officeDocument/2006/relationships" xmlns:p="http://schemas.openxmlformats.org/presentationml/2006/main">
+  <p:cSld>
+    <p:spTree>
+      <p:nvGrpSpPr>
+        <p:cNvPr id="1" name=""/>
+        <p:cNvGrpSpPr/>
+        <p:nvPr/>
+      </p:nvGrpSpPr>
+      <p:grpSpPr>
+        <a:xfrm>
+          <a:off x="0" y="0"/>
+          <a:ext cx="0" cy="0"/>
+          <a:chOff x="0" y="0"/>
+          <a:chExt cx="0" cy="0"/>
+        </a:xfrm>
+      </p:grpSpPr>
+      <p:sp>
+        <p:nvSpPr>
+          <p:cNvPr id="2" name="標題 1">
+            <a:extLst>
+              <a:ext uri="{FF2B5EF4-FFF2-40B4-BE49-F238E27FC236}">
+                <a16:creationId xmlns:a16="http://schemas.microsoft.com/office/drawing/2014/main" id="{26315561-863C-411A-8729-EB16B122DB6B}"/>
+              </a:ext>
+            </a:extLst>
+          </p:cNvPr>
+          <p:cNvSpPr>
+            <a:spLocks noGrp="1"/>
+          </p:cNvSpPr>
+          <p:nvPr>
+            <p:ph type="title"/>
+          </p:nvPr>
+        </p:nvSpPr>
+        <p:spPr/>
+        <p:txBody>
+          <a:bodyPr>
+            <a:normAutofit/>
+          </a:bodyPr>
+          <a:lstStyle/>
+          <a:p>
+            <a:r>
+              <a:rPr lang="zh-TW" altLang="en-US" sz="3600" b="1" i="0" dirty="0">
+                <a:solidFill>
+                  <a:srgbClr val="333333"/>
+                </a:solidFill>
+                <a:effectLst/>
+                <a:latin typeface="Helvetica Neue"/>
+              </a:rPr>
+              <a:t>安裝套件</a:t>
+            </a:r>
+          </a:p>
+        </p:txBody>
+      </p:sp>
+      <p:sp>
+        <p:nvSpPr>
+          <p:cNvPr id="3" name="內容版面配置區 2">
+            <a:extLst>
+              <a:ext uri="{FF2B5EF4-FFF2-40B4-BE49-F238E27FC236}">
+                <a16:creationId xmlns:a16="http://schemas.microsoft.com/office/drawing/2014/main" id="{50B16F87-3638-4DC9-9F86-A0F9A3AB6E23}"/>
+              </a:ext>
+            </a:extLst>
+          </p:cNvPr>
+          <p:cNvSpPr>
+            <a:spLocks noGrp="1"/>
+          </p:cNvSpPr>
+          <p:nvPr>
+            <p:ph idx="1"/>
+          </p:nvPr>
+        </p:nvSpPr>
+        <p:spPr/>
+        <p:txBody>
+          <a:bodyPr>
+            <a:normAutofit/>
+          </a:bodyPr>
+          <a:lstStyle/>
+          <a:p>
+            <a:pPr algn="l"/>
+            <a:r>
+              <a:rPr lang="zh-TW" altLang="en-US" b="0" i="0" dirty="0">
+                <a:solidFill>
+                  <a:srgbClr val="333333"/>
+                </a:solidFill>
+                <a:effectLst/>
+                <a:latin typeface="Helvetica Neue"/>
+              </a:rPr>
+              <a:t>安裝套件：安裝只需要做一次，就是將你要的套件從網路上抓下來並安裝到你的電腦裡</a:t>
+            </a:r>
+            <a:endParaRPr lang="en-US" altLang="zh-TW" b="0" i="0" dirty="0">
+              <a:solidFill>
+                <a:srgbClr val="333333"/>
+              </a:solidFill>
+              <a:effectLst/>
+              <a:latin typeface="Helvetica Neue"/>
+            </a:endParaRPr>
+          </a:p>
+          <a:p>
+            <a:pPr algn="l"/>
+            <a:endParaRPr lang="zh-TW" altLang="en-US" b="0" i="0" dirty="0">
+              <a:solidFill>
+                <a:srgbClr val="333333"/>
+              </a:solidFill>
+              <a:effectLst/>
+              <a:latin typeface="Helvetica Neue"/>
+            </a:endParaRPr>
+          </a:p>
+          <a:p>
+            <a:pPr marL="0" indent="0" algn="l">
+              <a:buNone/>
+            </a:pPr>
+            <a:r>
+              <a:rPr lang="zh-TW" altLang="en-US" b="0" i="0" dirty="0">
+                <a:solidFill>
+                  <a:srgbClr val="333333"/>
+                </a:solidFill>
+                <a:effectLst/>
+                <a:latin typeface="Helvetica Neue"/>
+              </a:rPr>
+              <a:t>若是外部的套件，第一次使用時需要先「安裝」</a:t>
+            </a:r>
+            <a:br>
+              <a:rPr lang="zh-TW" altLang="en-US" b="0" i="0" dirty="0">
+                <a:solidFill>
+                  <a:srgbClr val="333333"/>
+                </a:solidFill>
+                <a:effectLst/>
+                <a:latin typeface="Helvetica Neue"/>
+              </a:rPr>
+            </a:br>
+            <a:r>
+              <a:rPr lang="zh-TW" altLang="en-US" b="0" i="0" dirty="0">
+                <a:solidFill>
+                  <a:srgbClr val="333333"/>
+                </a:solidFill>
+                <a:effectLst/>
+                <a:latin typeface="Helvetica Neue"/>
+              </a:rPr>
+              <a:t>例如，我們想要裝</a:t>
+            </a:r>
+            <a:r>
+              <a:rPr lang="en-US" altLang="zh-TW" b="0" i="0" dirty="0">
+                <a:solidFill>
+                  <a:srgbClr val="333333"/>
+                </a:solidFill>
+                <a:effectLst/>
+                <a:latin typeface="Helvetica Neue"/>
+              </a:rPr>
+              <a:t>haven</a:t>
+            </a:r>
+            <a:r>
+              <a:rPr lang="zh-TW" altLang="en-US" b="0" i="0" dirty="0">
+                <a:solidFill>
+                  <a:srgbClr val="333333"/>
+                </a:solidFill>
+                <a:effectLst/>
+                <a:latin typeface="Helvetica Neue"/>
+              </a:rPr>
+              <a:t>這個套件。</a:t>
+            </a:r>
+            <a:endParaRPr lang="en-US" altLang="zh-TW" b="0" i="0" dirty="0">
+              <a:solidFill>
+                <a:srgbClr val="333333"/>
+              </a:solidFill>
+              <a:effectLst/>
+              <a:latin typeface="Helvetica Neue"/>
+            </a:endParaRPr>
+          </a:p>
+          <a:p>
+            <a:pPr algn="l"/>
+            <a:endParaRPr lang="en-US" altLang="zh-TW" dirty="0">
+              <a:solidFill>
+                <a:srgbClr val="333333"/>
+              </a:solidFill>
+              <a:latin typeface="Helvetica Neue"/>
+            </a:endParaRPr>
+          </a:p>
+          <a:p>
+            <a:pPr marL="0" indent="0">
+              <a:buNone/>
+            </a:pPr>
+            <a:r>
+              <a:rPr lang="zh-TW" altLang="en-US" b="0" i="0" dirty="0">
+                <a:solidFill>
+                  <a:srgbClr val="333333"/>
+                </a:solidFill>
+                <a:effectLst/>
+                <a:latin typeface="Helvetica Neue"/>
+              </a:rPr>
+              <a:t>安裝完成後，右邊</a:t>
+            </a:r>
+            <a:r>
+              <a:rPr lang="en-US" altLang="zh-TW" b="0" i="0" dirty="0">
+                <a:solidFill>
+                  <a:srgbClr val="333333"/>
+                </a:solidFill>
+                <a:effectLst/>
+                <a:latin typeface="Helvetica Neue"/>
+              </a:rPr>
+              <a:t>packages</a:t>
+            </a:r>
+            <a:r>
+              <a:rPr lang="zh-TW" altLang="en-US" b="0" i="0" dirty="0">
+                <a:solidFill>
+                  <a:srgbClr val="333333"/>
+                </a:solidFill>
+                <a:effectLst/>
+                <a:latin typeface="Helvetica Neue"/>
+              </a:rPr>
+              <a:t>就會跟著出現</a:t>
+            </a:r>
+          </a:p>
+          <a:p>
+            <a:pPr algn="l"/>
+            <a:endParaRPr lang="zh-TW" altLang="en-US" b="0" i="0" dirty="0">
+              <a:solidFill>
+                <a:srgbClr val="333333"/>
+              </a:solidFill>
+              <a:effectLst/>
+              <a:latin typeface="Helvetica Neue"/>
+            </a:endParaRPr>
+          </a:p>
+        </p:txBody>
+      </p:sp>
+      <p:pic>
+        <p:nvPicPr>
+          <p:cNvPr id="5" name="圖片 4">
+            <a:extLst>
+              <a:ext uri="{FF2B5EF4-FFF2-40B4-BE49-F238E27FC236}">
+                <a16:creationId xmlns:a16="http://schemas.microsoft.com/office/drawing/2014/main" id="{4294279E-F78F-42A1-A173-DF80327DA3AC}"/>
+              </a:ext>
+            </a:extLst>
+          </p:cNvPr>
+          <p:cNvPicPr>
+            <a:picLocks noChangeAspect="1"/>
+          </p:cNvPicPr>
+          <p:nvPr/>
+        </p:nvPicPr>
+        <p:blipFill>
+          <a:blip r:embed="rId3"/>
+          <a:stretch>
+            <a:fillRect/>
+          </a:stretch>
+        </p:blipFill>
+        <p:spPr>
+          <a:xfrm>
+            <a:off x="8594663" y="3412403"/>
+            <a:ext cx="3190896" cy="1195092"/>
+          </a:xfrm>
+          <a:prstGeom prst="rect">
+            <a:avLst/>
+          </a:prstGeom>
+        </p:spPr>
+      </p:pic>
+      <p:pic>
+        <p:nvPicPr>
+          <p:cNvPr id="6" name="圖片 5">
+            <a:extLst>
+              <a:ext uri="{FF2B5EF4-FFF2-40B4-BE49-F238E27FC236}">
+                <a16:creationId xmlns:a16="http://schemas.microsoft.com/office/drawing/2014/main" id="{78A93054-6E5E-4FE3-A53A-87571FC4AE18}"/>
+              </a:ext>
+            </a:extLst>
+          </p:cNvPr>
+          <p:cNvPicPr>
+            <a:picLocks noChangeAspect="1"/>
+          </p:cNvPicPr>
+          <p:nvPr/>
+        </p:nvPicPr>
+        <p:blipFill>
+          <a:blip r:embed="rId4"/>
+          <a:stretch>
+            <a:fillRect/>
+          </a:stretch>
+        </p:blipFill>
+        <p:spPr>
+          <a:xfrm>
+            <a:off x="8594663" y="5138713"/>
+            <a:ext cx="3412901" cy="1481569"/>
+          </a:xfrm>
+          <a:prstGeom prst="rect">
+            <a:avLst/>
+          </a:prstGeom>
+        </p:spPr>
+      </p:pic>
+    </p:spTree>
+    <p:custDataLst>
+      <p:tags r:id="rId1"/>
+    </p:custDataLst>
+    <p:extLst>
+      <p:ext uri="{BB962C8B-B14F-4D97-AF65-F5344CB8AC3E}">
+        <p14:creationId xmlns:p14="http://schemas.microsoft.com/office/powerpoint/2010/main" val="2385105559"/>
+      </p:ext>
+    </p:extLst>
+  </p:cSld>
+  <p:clrMapOvr>
+    <a:masterClrMapping/>
+  </p:clrMapOvr>
+</p:sld>
+</file>
+
+<file path=ppt/slides/slide15.xml><?xml version="1.0" encoding="utf-8"?>
+<p:sld xmlns:a="http://schemas.openxmlformats.org/drawingml/2006/main" xmlns:r="http://schemas.openxmlformats.org/officeDocument/2006/relationships" xmlns:p="http://schemas.openxmlformats.org/presentationml/2006/main">
+  <p:cSld>
+    <p:spTree>
+      <p:nvGrpSpPr>
+        <p:cNvPr id="1" name=""/>
+        <p:cNvGrpSpPr/>
+        <p:nvPr/>
+      </p:nvGrpSpPr>
+      <p:grpSpPr>
+        <a:xfrm>
+          <a:off x="0" y="0"/>
+          <a:ext cx="0" cy="0"/>
+          <a:chOff x="0" y="0"/>
+          <a:chExt cx="0" cy="0"/>
+        </a:xfrm>
+      </p:grpSpPr>
+      <p:sp>
+        <p:nvSpPr>
+          <p:cNvPr id="2" name="標題 1">
+            <a:extLst>
+              <a:ext uri="{FF2B5EF4-FFF2-40B4-BE49-F238E27FC236}">
+                <a16:creationId xmlns:a16="http://schemas.microsoft.com/office/drawing/2014/main" id="{26315561-863C-411A-8729-EB16B122DB6B}"/>
+              </a:ext>
+            </a:extLst>
+          </p:cNvPr>
+          <p:cNvSpPr>
+            <a:spLocks noGrp="1"/>
+          </p:cNvSpPr>
+          <p:nvPr>
+            <p:ph type="title"/>
+          </p:nvPr>
+        </p:nvSpPr>
+        <p:spPr/>
+        <p:txBody>
+          <a:bodyPr>
+            <a:normAutofit/>
+          </a:bodyPr>
+          <a:lstStyle/>
+          <a:p>
+            <a:r>
+              <a:rPr lang="zh-TW" altLang="en-US" sz="3600" b="1" i="0" dirty="0">
+                <a:solidFill>
+                  <a:srgbClr val="333333"/>
+                </a:solidFill>
+                <a:effectLst/>
+                <a:latin typeface="Helvetica Neue"/>
+              </a:rPr>
+              <a:t>載入套件</a:t>
+            </a:r>
+          </a:p>
+        </p:txBody>
+      </p:sp>
+      <p:sp>
+        <p:nvSpPr>
+          <p:cNvPr id="3" name="內容版面配置區 2">
+            <a:extLst>
+              <a:ext uri="{FF2B5EF4-FFF2-40B4-BE49-F238E27FC236}">
+                <a16:creationId xmlns:a16="http://schemas.microsoft.com/office/drawing/2014/main" id="{50B16F87-3638-4DC9-9F86-A0F9A3AB6E23}"/>
+              </a:ext>
+            </a:extLst>
+          </p:cNvPr>
+          <p:cNvSpPr>
+            <a:spLocks noGrp="1"/>
+          </p:cNvSpPr>
+          <p:nvPr>
+            <p:ph idx="1"/>
+          </p:nvPr>
+        </p:nvSpPr>
+        <p:spPr/>
+        <p:txBody>
+          <a:bodyPr>
+            <a:normAutofit/>
+          </a:bodyPr>
+          <a:lstStyle/>
+          <a:p>
+            <a:pPr algn="l"/>
+            <a:r>
+              <a:rPr lang="zh-TW" altLang="en-US" b="0" i="0" dirty="0">
+                <a:solidFill>
+                  <a:srgbClr val="333333"/>
+                </a:solidFill>
+                <a:effectLst/>
+                <a:latin typeface="Helvetica Neue"/>
+              </a:rPr>
+              <a:t>載入套件：確定要用的套件已經在電腦中後，在使用前，需要將該套件載入至</a:t>
+            </a:r>
+            <a:r>
+              <a:rPr lang="en-US" altLang="zh-TW" b="0" i="0" dirty="0">
+                <a:solidFill>
+                  <a:srgbClr val="333333"/>
+                </a:solidFill>
+                <a:effectLst/>
+                <a:latin typeface="Helvetica Neue"/>
+              </a:rPr>
+              <a:t>R</a:t>
+            </a:r>
+            <a:r>
+              <a:rPr lang="zh-TW" altLang="en-US" b="0" i="0" dirty="0">
+                <a:solidFill>
+                  <a:srgbClr val="333333"/>
+                </a:solidFill>
+                <a:effectLst/>
+                <a:latin typeface="Helvetica Neue"/>
+              </a:rPr>
+              <a:t>才能夠使用</a:t>
+            </a:r>
+            <a:endParaRPr lang="en-US" altLang="zh-TW" b="0" i="0" dirty="0">
+              <a:solidFill>
+                <a:srgbClr val="333333"/>
+              </a:solidFill>
+              <a:effectLst/>
+              <a:latin typeface="Helvetica Neue"/>
+            </a:endParaRPr>
+          </a:p>
+          <a:p>
+            <a:pPr algn="l"/>
+            <a:endParaRPr lang="en-US" altLang="zh-TW" dirty="0">
+              <a:solidFill>
+                <a:srgbClr val="333333"/>
+              </a:solidFill>
+              <a:latin typeface="Helvetica Neue"/>
+            </a:endParaRPr>
+          </a:p>
+          <a:p>
+            <a:r>
+              <a:rPr lang="zh-TW" altLang="en-US" b="0" i="0" dirty="0">
+                <a:solidFill>
+                  <a:srgbClr val="333333"/>
+                </a:solidFill>
+                <a:effectLst/>
+                <a:latin typeface="Helvetica Neue"/>
+              </a:rPr>
+              <a:t>但是安裝不等於載入，在每次開啟</a:t>
+            </a:r>
+            <a:r>
+              <a:rPr lang="en-US" altLang="zh-TW" b="0" i="0" dirty="0">
+                <a:solidFill>
+                  <a:srgbClr val="333333"/>
+                </a:solidFill>
+                <a:effectLst/>
+                <a:latin typeface="Helvetica Neue"/>
+              </a:rPr>
+              <a:t>R</a:t>
+            </a:r>
+            <a:r>
+              <a:rPr lang="zh-TW" altLang="en-US" b="0" i="0" dirty="0">
+                <a:solidFill>
+                  <a:srgbClr val="333333"/>
+                </a:solidFill>
+                <a:effectLst/>
+                <a:latin typeface="Helvetica Neue"/>
+              </a:rPr>
+              <a:t>檔案時，若需要使用套件中的函數，必須先載入後才能夠使用</a:t>
+            </a:r>
+            <a:endParaRPr lang="en-US" altLang="zh-TW" b="0" i="0" dirty="0">
+              <a:solidFill>
+                <a:srgbClr val="333333"/>
+              </a:solidFill>
+              <a:effectLst/>
+              <a:latin typeface="Helvetica Neue"/>
+            </a:endParaRPr>
+          </a:p>
+          <a:p>
+            <a:endParaRPr lang="en-US" altLang="zh-TW" dirty="0">
+              <a:solidFill>
+                <a:srgbClr val="333333"/>
+              </a:solidFill>
+              <a:latin typeface="Helvetica Neue"/>
+            </a:endParaRPr>
+          </a:p>
+          <a:p>
+            <a:r>
+              <a:rPr lang="zh-TW" altLang="en-US" b="0" i="0" dirty="0">
+                <a:solidFill>
+                  <a:srgbClr val="333333"/>
+                </a:solidFill>
+                <a:effectLst/>
+                <a:latin typeface="Helvetica Neue"/>
+              </a:rPr>
+              <a:t>也可以用勾選的方式</a:t>
+            </a:r>
+          </a:p>
+          <a:p>
+            <a:pPr algn="l"/>
+            <a:endParaRPr lang="en-US" altLang="zh-TW" b="0" i="0" dirty="0">
+              <a:solidFill>
+                <a:srgbClr val="333333"/>
+              </a:solidFill>
+              <a:effectLst/>
+              <a:latin typeface="Helvetica Neue"/>
+            </a:endParaRPr>
+          </a:p>
+          <a:p>
+            <a:pPr algn="l"/>
+            <a:endParaRPr lang="zh-TW" altLang="en-US" b="0" i="0" dirty="0">
+              <a:solidFill>
+                <a:srgbClr val="333333"/>
+              </a:solidFill>
+              <a:effectLst/>
+              <a:latin typeface="Helvetica Neue"/>
+            </a:endParaRPr>
+          </a:p>
+        </p:txBody>
+      </p:sp>
+      <p:pic>
+        <p:nvPicPr>
+          <p:cNvPr id="6" name="圖片 5">
+            <a:extLst>
+              <a:ext uri="{FF2B5EF4-FFF2-40B4-BE49-F238E27FC236}">
+                <a16:creationId xmlns:a16="http://schemas.microsoft.com/office/drawing/2014/main" id="{61611EC3-AA2D-43CC-A85E-1DC3F3D380A5}"/>
+              </a:ext>
+            </a:extLst>
+          </p:cNvPr>
+          <p:cNvPicPr>
+            <a:picLocks noChangeAspect="1"/>
+          </p:cNvPicPr>
+          <p:nvPr/>
+        </p:nvPicPr>
+        <p:blipFill>
+          <a:blip r:embed="rId3"/>
+          <a:stretch>
+            <a:fillRect/>
+          </a:stretch>
+        </p:blipFill>
+        <p:spPr>
+          <a:xfrm>
+            <a:off x="9484244" y="3816466"/>
+            <a:ext cx="1543265" cy="1543265"/>
+          </a:xfrm>
+          <a:prstGeom prst="rect">
+            <a:avLst/>
+          </a:prstGeom>
+        </p:spPr>
+      </p:pic>
+      <p:pic>
+        <p:nvPicPr>
+          <p:cNvPr id="8" name="圖片 7">
+            <a:extLst>
+              <a:ext uri="{FF2B5EF4-FFF2-40B4-BE49-F238E27FC236}">
+                <a16:creationId xmlns:a16="http://schemas.microsoft.com/office/drawing/2014/main" id="{E915FE1E-B747-4675-8F90-4B094D47689C}"/>
+              </a:ext>
+            </a:extLst>
+          </p:cNvPr>
+          <p:cNvPicPr>
+            <a:picLocks noChangeAspect="1"/>
+          </p:cNvPicPr>
+          <p:nvPr/>
+        </p:nvPicPr>
+        <p:blipFill>
+          <a:blip r:embed="rId4"/>
+          <a:stretch>
+            <a:fillRect/>
+          </a:stretch>
+        </p:blipFill>
+        <p:spPr>
+          <a:xfrm>
+            <a:off x="4669262" y="4605338"/>
+            <a:ext cx="3909578" cy="1706562"/>
+          </a:xfrm>
+          <a:prstGeom prst="rect">
+            <a:avLst/>
+          </a:prstGeom>
+        </p:spPr>
+      </p:pic>
+    </p:spTree>
+    <p:custDataLst>
+      <p:tags r:id="rId1"/>
+    </p:custDataLst>
+    <p:extLst>
+      <p:ext uri="{BB962C8B-B14F-4D97-AF65-F5344CB8AC3E}">
+        <p14:creationId xmlns:p14="http://schemas.microsoft.com/office/powerpoint/2010/main" val="2192130691"/>
+      </p:ext>
+    </p:extLst>
+  </p:cSld>
+  <p:clrMapOvr>
+    <a:masterClrMapping/>
+  </p:clrMapOvr>
+</p:sld>
+</file>
+
+<file path=ppt/slides/slide16.xml><?xml version="1.0" encoding="utf-8"?>
+<p:sld xmlns:a="http://schemas.openxmlformats.org/drawingml/2006/main" xmlns:r="http://schemas.openxmlformats.org/officeDocument/2006/relationships" xmlns:p="http://schemas.openxmlformats.org/presentationml/2006/main">
+  <p:cSld>
+    <p:spTree>
+      <p:nvGrpSpPr>
+        <p:cNvPr id="1" name=""/>
+        <p:cNvGrpSpPr/>
+        <p:nvPr/>
+      </p:nvGrpSpPr>
+      <p:grpSpPr>
+        <a:xfrm>
+          <a:off x="0" y="0"/>
+          <a:ext cx="0" cy="0"/>
+          <a:chOff x="0" y="0"/>
+          <a:chExt cx="0" cy="0"/>
+        </a:xfrm>
+      </p:grpSpPr>
+      <p:sp>
+        <p:nvSpPr>
+          <p:cNvPr id="2" name="標題 1">
+            <a:extLst>
+              <a:ext uri="{FF2B5EF4-FFF2-40B4-BE49-F238E27FC236}">
+                <a16:creationId xmlns:a16="http://schemas.microsoft.com/office/drawing/2014/main" id="{26315561-863C-411A-8729-EB16B122DB6B}"/>
+              </a:ext>
+            </a:extLst>
+          </p:cNvPr>
+          <p:cNvSpPr>
+            <a:spLocks noGrp="1"/>
+          </p:cNvSpPr>
+          <p:nvPr>
+            <p:ph type="title"/>
+          </p:nvPr>
+        </p:nvSpPr>
+        <p:spPr/>
+        <p:txBody>
+          <a:bodyPr>
+            <a:normAutofit/>
+          </a:bodyPr>
+          <a:lstStyle/>
+          <a:p>
+            <a:r>
+              <a:rPr lang="zh-TW" altLang="en-US" sz="3600" b="1" i="0" dirty="0">
+                <a:solidFill>
+                  <a:srgbClr val="333333"/>
+                </a:solidFill>
+                <a:effectLst/>
+                <a:latin typeface="Helvetica Neue"/>
+              </a:rPr>
+              <a:t>刪除套件</a:t>
+            </a:r>
+          </a:p>
+        </p:txBody>
+      </p:sp>
+      <p:sp>
+        <p:nvSpPr>
+          <p:cNvPr id="3" name="內容版面配置區 2">
+            <a:extLst>
+              <a:ext uri="{FF2B5EF4-FFF2-40B4-BE49-F238E27FC236}">
+                <a16:creationId xmlns:a16="http://schemas.microsoft.com/office/drawing/2014/main" id="{50B16F87-3638-4DC9-9F86-A0F9A3AB6E23}"/>
+              </a:ext>
+            </a:extLst>
+          </p:cNvPr>
+          <p:cNvSpPr>
+            <a:spLocks noGrp="1"/>
+          </p:cNvSpPr>
+          <p:nvPr>
+            <p:ph idx="1"/>
+          </p:nvPr>
+        </p:nvSpPr>
+        <p:spPr/>
+        <p:txBody>
+          <a:bodyPr>
+            <a:normAutofit/>
+          </a:bodyPr>
+          <a:lstStyle/>
+          <a:p>
+            <a:pPr algn="l"/>
+            <a:r>
+              <a:rPr lang="zh-TW" altLang="en-US" b="0" i="0" dirty="0">
+                <a:solidFill>
+                  <a:srgbClr val="333333"/>
+                </a:solidFill>
+                <a:effectLst/>
+                <a:latin typeface="Helvetica Neue"/>
+              </a:rPr>
+              <a:t>當我們可能裝錯套件時，也可以直接刪除特定套件</a:t>
+            </a:r>
+            <a:endParaRPr lang="en-US" altLang="zh-TW" b="0" i="0" dirty="0">
+              <a:solidFill>
+                <a:srgbClr val="333333"/>
+              </a:solidFill>
+              <a:effectLst/>
+              <a:latin typeface="Helvetica Neue"/>
+            </a:endParaRPr>
+          </a:p>
+          <a:p>
+            <a:pPr algn="l"/>
+            <a:endParaRPr lang="en-US" altLang="zh-TW" dirty="0">
+              <a:solidFill>
+                <a:srgbClr val="333333"/>
+              </a:solidFill>
+              <a:latin typeface="Helvetica Neue"/>
+            </a:endParaRPr>
+          </a:p>
+          <a:p>
+            <a:pPr algn="l"/>
+            <a:endParaRPr lang="en-US" altLang="zh-TW" dirty="0">
+              <a:solidFill>
+                <a:srgbClr val="333333"/>
+              </a:solidFill>
+              <a:latin typeface="Helvetica Neue"/>
+            </a:endParaRPr>
+          </a:p>
+          <a:p>
+            <a:pPr algn="l"/>
+            <a:endParaRPr lang="en-US" altLang="zh-TW" dirty="0">
+              <a:solidFill>
+                <a:srgbClr val="333333"/>
+              </a:solidFill>
+              <a:latin typeface="Helvetica Neue"/>
+            </a:endParaRPr>
+          </a:p>
+          <a:p>
+            <a:pPr algn="l"/>
+            <a:r>
+              <a:rPr lang="zh-TW" altLang="en-US" b="0" i="0" dirty="0">
+                <a:solidFill>
+                  <a:srgbClr val="333333"/>
+                </a:solidFill>
+                <a:effectLst/>
+                <a:latin typeface="Helvetica Neue"/>
+              </a:rPr>
+              <a:t>或著直接按旁邊的</a:t>
+            </a:r>
+            <a:r>
+              <a:rPr lang="en-US" altLang="zh-TW" b="0" i="0" dirty="0">
+                <a:solidFill>
+                  <a:srgbClr val="333333"/>
+                </a:solidFill>
+                <a:effectLst/>
+                <a:latin typeface="Helvetica Neue"/>
+              </a:rPr>
+              <a:t>X</a:t>
+            </a:r>
+            <a:endParaRPr lang="zh-TW" altLang="en-US" b="0" i="0" dirty="0">
+              <a:solidFill>
+                <a:srgbClr val="333333"/>
+              </a:solidFill>
+              <a:effectLst/>
+              <a:latin typeface="Helvetica Neue"/>
+            </a:endParaRPr>
+          </a:p>
+        </p:txBody>
+      </p:sp>
+      <p:pic>
+        <p:nvPicPr>
+          <p:cNvPr id="8" name="圖片 7">
+            <a:extLst>
+              <a:ext uri="{FF2B5EF4-FFF2-40B4-BE49-F238E27FC236}">
+                <a16:creationId xmlns:a16="http://schemas.microsoft.com/office/drawing/2014/main" id="{08EFD0AB-3832-4605-897B-0F519C6349E5}"/>
+              </a:ext>
+            </a:extLst>
+          </p:cNvPr>
+          <p:cNvPicPr>
+            <a:picLocks noChangeAspect="1"/>
+          </p:cNvPicPr>
+          <p:nvPr/>
+        </p:nvPicPr>
+        <p:blipFill>
+          <a:blip r:embed="rId3"/>
+          <a:stretch>
+            <a:fillRect/>
+          </a:stretch>
+        </p:blipFill>
+        <p:spPr>
+          <a:xfrm>
+            <a:off x="1183850" y="2608141"/>
+            <a:ext cx="3695556" cy="923890"/>
+          </a:xfrm>
+          <a:prstGeom prst="rect">
+            <a:avLst/>
+          </a:prstGeom>
+        </p:spPr>
+      </p:pic>
+      <p:pic>
+        <p:nvPicPr>
+          <p:cNvPr id="10" name="圖片 9">
+            <a:extLst>
+              <a:ext uri="{FF2B5EF4-FFF2-40B4-BE49-F238E27FC236}">
+                <a16:creationId xmlns:a16="http://schemas.microsoft.com/office/drawing/2014/main" id="{312FD9D6-72A2-42A4-ACFA-B35C3EC89E74}"/>
+              </a:ext>
+            </a:extLst>
+          </p:cNvPr>
+          <p:cNvPicPr>
+            <a:picLocks noChangeAspect="1"/>
+          </p:cNvPicPr>
+          <p:nvPr/>
+        </p:nvPicPr>
+        <p:blipFill>
+          <a:blip r:embed="rId4"/>
+          <a:stretch>
+            <a:fillRect/>
+          </a:stretch>
+        </p:blipFill>
+        <p:spPr>
+          <a:xfrm>
+            <a:off x="1183850" y="4588826"/>
+            <a:ext cx="4307393" cy="1588137"/>
+          </a:xfrm>
+          <a:prstGeom prst="rect">
+            <a:avLst/>
+          </a:prstGeom>
+        </p:spPr>
+      </p:pic>
+    </p:spTree>
+    <p:custDataLst>
+      <p:tags r:id="rId1"/>
+    </p:custDataLst>
+    <p:extLst>
+      <p:ext uri="{BB962C8B-B14F-4D97-AF65-F5344CB8AC3E}">
+        <p14:creationId xmlns:p14="http://schemas.microsoft.com/office/powerpoint/2010/main" val="3767028998"/>
+      </p:ext>
+    </p:extLst>
+  </p:cSld>
+  <p:clrMapOvr>
+    <a:masterClrMapping/>
+  </p:clrMapOvr>
+</p:sld>
+</file>
+
+<file path=ppt/slides/slide17.xml><?xml version="1.0" encoding="utf-8"?>
+<p:sld xmlns:a="http://schemas.openxmlformats.org/drawingml/2006/main" xmlns:r="http://schemas.openxmlformats.org/officeDocument/2006/relationships" xmlns:p="http://schemas.openxmlformats.org/presentationml/2006/main">
+  <p:cSld>
+    <p:spTree>
+      <p:nvGrpSpPr>
+        <p:cNvPr id="1" name=""/>
+        <p:cNvGrpSpPr/>
+        <p:nvPr/>
+      </p:nvGrpSpPr>
+      <p:grpSpPr>
+        <a:xfrm>
+          <a:off x="0" y="0"/>
+          <a:ext cx="0" cy="0"/>
+          <a:chOff x="0" y="0"/>
+          <a:chExt cx="0" cy="0"/>
+        </a:xfrm>
+      </p:grpSpPr>
+      <p:sp>
+        <p:nvSpPr>
+          <p:cNvPr id="2" name="標題 1">
+            <a:extLst>
+              <a:ext uri="{FF2B5EF4-FFF2-40B4-BE49-F238E27FC236}">
+                <a16:creationId xmlns:a16="http://schemas.microsoft.com/office/drawing/2014/main" id="{26315561-863C-411A-8729-EB16B122DB6B}"/>
+              </a:ext>
+            </a:extLst>
+          </p:cNvPr>
+          <p:cNvSpPr>
+            <a:spLocks noGrp="1"/>
+          </p:cNvSpPr>
+          <p:nvPr>
+            <p:ph type="title"/>
+          </p:nvPr>
+        </p:nvSpPr>
+        <p:spPr/>
+        <p:txBody>
+          <a:bodyPr>
+            <a:normAutofit/>
+          </a:bodyPr>
+          <a:lstStyle/>
+          <a:p>
+            <a:r>
+              <a:rPr lang="zh-TW" altLang="en-US" sz="3600" b="1" i="0" dirty="0">
+                <a:solidFill>
+                  <a:srgbClr val="333333"/>
+                </a:solidFill>
+                <a:effectLst/>
+                <a:latin typeface="Helvetica Neue"/>
+              </a:rPr>
+              <a:t>更新套件</a:t>
+            </a:r>
+          </a:p>
+        </p:txBody>
+      </p:sp>
+      <p:sp>
+        <p:nvSpPr>
+          <p:cNvPr id="3" name="內容版面配置區 2">
+            <a:extLst>
+              <a:ext uri="{FF2B5EF4-FFF2-40B4-BE49-F238E27FC236}">
+                <a16:creationId xmlns:a16="http://schemas.microsoft.com/office/drawing/2014/main" id="{50B16F87-3638-4DC9-9F86-A0F9A3AB6E23}"/>
+              </a:ext>
+            </a:extLst>
+          </p:cNvPr>
+          <p:cNvSpPr>
+            <a:spLocks noGrp="1"/>
+          </p:cNvSpPr>
+          <p:nvPr>
+            <p:ph idx="1"/>
+          </p:nvPr>
+        </p:nvSpPr>
+        <p:spPr>
+          <a:xfrm>
+            <a:off x="838200" y="1825625"/>
+            <a:ext cx="5486400" cy="4351338"/>
+          </a:xfrm>
+        </p:spPr>
+        <p:txBody>
+          <a:bodyPr>
+            <a:normAutofit/>
+          </a:bodyPr>
+          <a:lstStyle/>
+          <a:p>
+            <a:r>
+              <a:rPr lang="zh-TW" altLang="en-US" b="0" i="0" dirty="0">
+                <a:solidFill>
+                  <a:srgbClr val="333333"/>
+                </a:solidFill>
+                <a:effectLst/>
+                <a:latin typeface="Helvetica Neue"/>
+              </a:rPr>
+              <a:t>另外</a:t>
+            </a:r>
+            <a:r>
+              <a:rPr lang="en-US" altLang="zh-TW" b="0" i="0" dirty="0">
+                <a:solidFill>
+                  <a:srgbClr val="333333"/>
+                </a:solidFill>
+                <a:effectLst/>
+                <a:latin typeface="Helvetica Neue"/>
+              </a:rPr>
+              <a:t>R</a:t>
+            </a:r>
+            <a:r>
+              <a:rPr lang="zh-TW" altLang="en-US" b="0" i="0" dirty="0">
+                <a:solidFill>
+                  <a:srgbClr val="333333"/>
+                </a:solidFill>
+                <a:effectLst/>
+                <a:latin typeface="Helvetica Neue"/>
+              </a:rPr>
+              <a:t>語言中的套件時常進行更新，我們可以一次檢查那些需要更新</a:t>
+            </a:r>
+            <a:r>
+              <a:rPr lang="zh-TW" altLang="en-US" dirty="0">
+                <a:solidFill>
+                  <a:srgbClr val="333333"/>
+                </a:solidFill>
+                <a:latin typeface="Helvetica Neue"/>
+              </a:rPr>
+              <a:t>，</a:t>
+            </a:r>
+            <a:r>
+              <a:rPr lang="zh-TW" altLang="en-US" b="0" i="0" dirty="0">
+                <a:solidFill>
+                  <a:srgbClr val="333333"/>
+                </a:solidFill>
+                <a:effectLst/>
+                <a:latin typeface="Helvetica Neue"/>
+              </a:rPr>
+              <a:t>接著就可以點選進行特定套件的更新</a:t>
+            </a:r>
+            <a:endParaRPr lang="en-US" altLang="zh-TW" b="0" i="0" dirty="0">
+              <a:solidFill>
+                <a:srgbClr val="333333"/>
+              </a:solidFill>
+              <a:effectLst/>
+              <a:latin typeface="Helvetica Neue"/>
+            </a:endParaRPr>
+          </a:p>
+          <a:p>
+            <a:endParaRPr lang="zh-TW" altLang="en-US" b="0" i="0" dirty="0">
+              <a:solidFill>
+                <a:srgbClr val="333333"/>
+              </a:solidFill>
+              <a:effectLst/>
+              <a:latin typeface="Helvetica Neue"/>
+            </a:endParaRPr>
+          </a:p>
+          <a:p>
+            <a:pPr algn="l"/>
+            <a:r>
+              <a:rPr lang="zh-TW" altLang="en-US" b="0" i="0" dirty="0">
+                <a:solidFill>
+                  <a:srgbClr val="333333"/>
+                </a:solidFill>
+                <a:effectLst/>
+                <a:latin typeface="Helvetica Neue"/>
+              </a:rPr>
+              <a:t>或著也可以使用函數更新</a:t>
+            </a:r>
+          </a:p>
+          <a:p>
+            <a:endParaRPr lang="en-US" altLang="zh-TW" dirty="0"/>
+          </a:p>
+          <a:p>
+            <a:endParaRPr lang="zh-TW" altLang="en-US" dirty="0"/>
+          </a:p>
+        </p:txBody>
+      </p:sp>
+      <p:pic>
+        <p:nvPicPr>
+          <p:cNvPr id="5" name="圖片 4">
+            <a:extLst>
+              <a:ext uri="{FF2B5EF4-FFF2-40B4-BE49-F238E27FC236}">
+                <a16:creationId xmlns:a16="http://schemas.microsoft.com/office/drawing/2014/main" id="{9314EDEE-32E4-4775-821B-FBF46F4112DA}"/>
+              </a:ext>
+            </a:extLst>
+          </p:cNvPr>
+          <p:cNvPicPr>
+            <a:picLocks noChangeAspect="1"/>
+          </p:cNvPicPr>
+          <p:nvPr/>
+        </p:nvPicPr>
+        <p:blipFill>
+          <a:blip r:embed="rId3"/>
+          <a:stretch>
+            <a:fillRect/>
+          </a:stretch>
+        </p:blipFill>
+        <p:spPr>
+          <a:xfrm>
+            <a:off x="6448022" y="976313"/>
+            <a:ext cx="5486400" cy="5200650"/>
+          </a:xfrm>
+          <a:prstGeom prst="rect">
+            <a:avLst/>
+          </a:prstGeom>
+        </p:spPr>
+      </p:pic>
+      <p:pic>
+        <p:nvPicPr>
+          <p:cNvPr id="7" name="圖片 6">
+            <a:extLst>
+              <a:ext uri="{FF2B5EF4-FFF2-40B4-BE49-F238E27FC236}">
+                <a16:creationId xmlns:a16="http://schemas.microsoft.com/office/drawing/2014/main" id="{DB1F97DB-0B18-429E-B425-DFDC1170A28A}"/>
+              </a:ext>
+            </a:extLst>
+          </p:cNvPr>
+          <p:cNvPicPr>
+            <a:picLocks noChangeAspect="1"/>
+          </p:cNvPicPr>
+          <p:nvPr/>
+        </p:nvPicPr>
+        <p:blipFill>
+          <a:blip r:embed="rId4"/>
+          <a:stretch>
+            <a:fillRect/>
+          </a:stretch>
+        </p:blipFill>
+        <p:spPr>
+          <a:xfrm>
+            <a:off x="1166129" y="4518463"/>
+            <a:ext cx="2967990" cy="2166745"/>
+          </a:xfrm>
+          <a:prstGeom prst="rect">
+            <a:avLst/>
+          </a:prstGeom>
+        </p:spPr>
+      </p:pic>
+    </p:spTree>
+    <p:custDataLst>
+      <p:tags r:id="rId1"/>
+    </p:custDataLst>
+    <p:extLst>
+      <p:ext uri="{BB962C8B-B14F-4D97-AF65-F5344CB8AC3E}">
+        <p14:creationId xmlns:p14="http://schemas.microsoft.com/office/powerpoint/2010/main" val="1552426732"/>
+      </p:ext>
+    </p:extLst>
+  </p:cSld>
+  <p:clrMapOvr>
+    <a:masterClrMapping/>
+  </p:clrMapOvr>
+</p:sld>
+</file>
+
+<file path=ppt/slides/slide18.xml><?xml version="1.0" encoding="utf-8"?>
+<p:sld xmlns:a="http://schemas.openxmlformats.org/drawingml/2006/main" xmlns:r="http://schemas.openxmlformats.org/officeDocument/2006/relationships" xmlns:p="http://schemas.openxmlformats.org/presentationml/2006/main">
+  <p:cSld>
+    <p:spTree>
+      <p:nvGrpSpPr>
+        <p:cNvPr id="1" name=""/>
+        <p:cNvGrpSpPr/>
+        <p:nvPr/>
+      </p:nvGrpSpPr>
+      <p:grpSpPr>
+        <a:xfrm>
+          <a:off x="0" y="0"/>
+          <a:ext cx="0" cy="0"/>
+          <a:chOff x="0" y="0"/>
+          <a:chExt cx="0" cy="0"/>
+        </a:xfrm>
+      </p:grpSpPr>
+      <p:sp>
+        <p:nvSpPr>
+          <p:cNvPr id="2" name="標題 1">
+            <a:extLst>
+              <a:ext uri="{FF2B5EF4-FFF2-40B4-BE49-F238E27FC236}">
+                <a16:creationId xmlns:a16="http://schemas.microsoft.com/office/drawing/2014/main" id="{26315561-863C-411A-8729-EB16B122DB6B}"/>
+              </a:ext>
+            </a:extLst>
+          </p:cNvPr>
+          <p:cNvSpPr>
+            <a:spLocks noGrp="1"/>
+          </p:cNvSpPr>
+          <p:nvPr>
+            <p:ph type="title"/>
+          </p:nvPr>
+        </p:nvSpPr>
+        <p:spPr/>
+        <p:txBody>
+          <a:bodyPr>
+            <a:normAutofit/>
+          </a:bodyPr>
+          <a:lstStyle/>
+          <a:p>
+            <a:r>
+              <a:rPr lang="zh-TW" altLang="en-US" sz="3600" b="1" i="0" dirty="0">
+                <a:solidFill>
+                  <a:srgbClr val="333333"/>
+                </a:solidFill>
+                <a:effectLst/>
+                <a:latin typeface="Helvetica Neue"/>
+              </a:rPr>
+              <a:t>輔助文件與</a:t>
+            </a:r>
+            <a:r>
+              <a:rPr lang="en-US" altLang="zh-TW" sz="3600" b="1" i="0" dirty="0">
+                <a:solidFill>
+                  <a:srgbClr val="333333"/>
+                </a:solidFill>
+                <a:effectLst/>
+                <a:latin typeface="Helvetica Neue"/>
+              </a:rPr>
+              <a:t>help</a:t>
+            </a:r>
+            <a:endParaRPr lang="zh-TW" altLang="en-US" sz="3600" b="1" i="0" dirty="0">
+              <a:solidFill>
+                <a:srgbClr val="333333"/>
+              </a:solidFill>
+              <a:effectLst/>
+              <a:latin typeface="Helvetica Neue"/>
+            </a:endParaRPr>
+          </a:p>
+        </p:txBody>
+      </p:sp>
+      <p:sp>
+        <p:nvSpPr>
+          <p:cNvPr id="3" name="內容版面配置區 2">
+            <a:extLst>
+              <a:ext uri="{FF2B5EF4-FFF2-40B4-BE49-F238E27FC236}">
+                <a16:creationId xmlns:a16="http://schemas.microsoft.com/office/drawing/2014/main" id="{50B16F87-3638-4DC9-9F86-A0F9A3AB6E23}"/>
+              </a:ext>
+            </a:extLst>
+          </p:cNvPr>
+          <p:cNvSpPr>
+            <a:spLocks noGrp="1"/>
+          </p:cNvSpPr>
+          <p:nvPr>
+            <p:ph idx="1"/>
+          </p:nvPr>
+        </p:nvSpPr>
+        <p:spPr>
+          <a:xfrm>
+            <a:off x="838200" y="1825625"/>
+            <a:ext cx="5008808" cy="4351338"/>
+          </a:xfrm>
+        </p:spPr>
+        <p:txBody>
+          <a:bodyPr>
+            <a:normAutofit/>
+          </a:bodyPr>
+          <a:lstStyle/>
+          <a:p>
+            <a:pPr algn="l"/>
+            <a:r>
+              <a:rPr lang="zh-TW" altLang="en-US" b="0" i="0" dirty="0">
+                <a:solidFill>
+                  <a:srgbClr val="333333"/>
+                </a:solidFill>
+                <a:effectLst/>
+                <a:latin typeface="Helvetica Neue"/>
+              </a:rPr>
+              <a:t>至於套件或著裡面函數的詳細用法，我們可以用「</a:t>
+            </a:r>
+            <a:r>
+              <a:rPr lang="en-US" altLang="zh-TW" b="1" i="0" dirty="0">
+                <a:solidFill>
+                  <a:srgbClr val="333333"/>
+                </a:solidFill>
+                <a:effectLst/>
+                <a:latin typeface="Helvetica Neue"/>
+              </a:rPr>
+              <a:t>help</a:t>
+            </a:r>
+            <a:r>
+              <a:rPr lang="zh-TW" altLang="en-US" b="0" i="0" dirty="0">
+                <a:solidFill>
+                  <a:srgbClr val="333333"/>
+                </a:solidFill>
+                <a:effectLst/>
+                <a:latin typeface="Helvetica Neue"/>
+              </a:rPr>
+              <a:t>」來看這個套件的語法該如何設定</a:t>
+            </a:r>
+            <a:endParaRPr lang="en-US" altLang="zh-TW" b="0" i="0" dirty="0">
+              <a:solidFill>
+                <a:srgbClr val="333333"/>
+              </a:solidFill>
+              <a:effectLst/>
+              <a:latin typeface="Helvetica Neue"/>
+            </a:endParaRPr>
+          </a:p>
+          <a:p>
+            <a:pPr algn="l"/>
+            <a:endParaRPr lang="zh-TW" altLang="en-US" b="0" i="0" dirty="0">
+              <a:solidFill>
+                <a:srgbClr val="333333"/>
+              </a:solidFill>
+              <a:effectLst/>
+              <a:latin typeface="Helvetica Neue"/>
+            </a:endParaRPr>
+          </a:p>
+          <a:p>
+            <a:r>
+              <a:rPr lang="en-US" altLang="zh-TW" b="0" i="0" dirty="0">
+                <a:solidFill>
+                  <a:srgbClr val="333333"/>
+                </a:solidFill>
+                <a:effectLst/>
+                <a:latin typeface="Helvetica Neue"/>
+              </a:rPr>
+              <a:t>R</a:t>
+            </a:r>
+            <a:r>
+              <a:rPr lang="zh-TW" altLang="en-US" b="0" i="0" dirty="0">
+                <a:solidFill>
+                  <a:srgbClr val="333333"/>
+                </a:solidFill>
+                <a:effectLst/>
+                <a:latin typeface="Helvetica Neue"/>
+              </a:rPr>
+              <a:t>語言當中有蠻完整的「查詢文件」可以查看</a:t>
+            </a:r>
+            <a:endParaRPr lang="en-US" altLang="zh-TW" dirty="0"/>
+          </a:p>
+          <a:p>
+            <a:endParaRPr lang="zh-TW" altLang="en-US" dirty="0"/>
+          </a:p>
+        </p:txBody>
+      </p:sp>
+      <p:pic>
+        <p:nvPicPr>
+          <p:cNvPr id="6" name="圖片 5">
+            <a:extLst>
+              <a:ext uri="{FF2B5EF4-FFF2-40B4-BE49-F238E27FC236}">
+                <a16:creationId xmlns:a16="http://schemas.microsoft.com/office/drawing/2014/main" id="{C9A0A1AD-D248-4A2C-9B97-191083C630B4}"/>
+              </a:ext>
+            </a:extLst>
+          </p:cNvPr>
+          <p:cNvPicPr>
+            <a:picLocks noChangeAspect="1"/>
+          </p:cNvPicPr>
+          <p:nvPr/>
+        </p:nvPicPr>
+        <p:blipFill>
+          <a:blip r:embed="rId3"/>
+          <a:stretch>
+            <a:fillRect/>
+          </a:stretch>
+        </p:blipFill>
+        <p:spPr>
+          <a:xfrm>
+            <a:off x="6344994" y="575545"/>
+            <a:ext cx="4854486" cy="5706910"/>
+          </a:xfrm>
+          <a:prstGeom prst="rect">
+            <a:avLst/>
+          </a:prstGeom>
+        </p:spPr>
+      </p:pic>
+    </p:spTree>
+    <p:custDataLst>
+      <p:tags r:id="rId1"/>
+    </p:custDataLst>
+    <p:extLst>
+      <p:ext uri="{BB962C8B-B14F-4D97-AF65-F5344CB8AC3E}">
+        <p14:creationId xmlns:p14="http://schemas.microsoft.com/office/powerpoint/2010/main" val="1664551186"/>
+      </p:ext>
+    </p:extLst>
+  </p:cSld>
+  <p:clrMapOvr>
+    <a:masterClrMapping/>
+  </p:clrMapOvr>
+</p:sld>
+</file>
+
+<file path=ppt/slides/slide19.xml><?xml version="1.0" encoding="utf-8"?>
+<p:sld xmlns:a="http://schemas.openxmlformats.org/drawingml/2006/main" xmlns:r="http://schemas.openxmlformats.org/officeDocument/2006/relationships" xmlns:p="http://schemas.openxmlformats.org/presentationml/2006/main">
+  <p:cSld>
+    <p:spTree>
+      <p:nvGrpSpPr>
+        <p:cNvPr id="1" name=""/>
+        <p:cNvGrpSpPr/>
+        <p:nvPr/>
+      </p:nvGrpSpPr>
+      <p:grpSpPr>
+        <a:xfrm>
+          <a:off x="0" y="0"/>
+          <a:ext cx="0" cy="0"/>
+          <a:chOff x="0" y="0"/>
+          <a:chExt cx="0" cy="0"/>
+        </a:xfrm>
+      </p:grpSpPr>
+      <p:sp>
+        <p:nvSpPr>
+          <p:cNvPr id="2" name="標題 1">
+            <a:extLst>
+              <a:ext uri="{FF2B5EF4-FFF2-40B4-BE49-F238E27FC236}">
+                <a16:creationId xmlns:a16="http://schemas.microsoft.com/office/drawing/2014/main" id="{E1B452CF-5350-41A2-9F93-8F70A80FE906}"/>
+              </a:ext>
+            </a:extLst>
+          </p:cNvPr>
+          <p:cNvSpPr>
+            <a:spLocks noGrp="1"/>
+          </p:cNvSpPr>
+          <p:nvPr>
+            <p:ph type="title"/>
+          </p:nvPr>
+        </p:nvSpPr>
+        <p:spPr/>
+        <p:txBody>
+          <a:bodyPr>
+            <a:normAutofit/>
+          </a:bodyPr>
+          <a:lstStyle/>
+          <a:p>
+            <a:r>
+              <a:rPr lang="zh-TW" altLang="en-US" sz="3600" b="1" dirty="0"/>
+              <a:t>安裝講義所用套件</a:t>
+            </a:r>
+            <a:endParaRPr lang="zh-TW" altLang="en-US" sz="3600" dirty="0"/>
+          </a:p>
+        </p:txBody>
+      </p:sp>
+      <p:sp>
+        <p:nvSpPr>
+          <p:cNvPr id="5" name="文字方塊 4">
+            <a:extLst>
+              <a:ext uri="{FF2B5EF4-FFF2-40B4-BE49-F238E27FC236}">
+                <a16:creationId xmlns:a16="http://schemas.microsoft.com/office/drawing/2014/main" id="{12690AA1-CB24-458B-A825-0004ADAD3EEF}"/>
+              </a:ext>
+            </a:extLst>
+          </p:cNvPr>
+          <p:cNvSpPr txBox="1"/>
+          <p:nvPr/>
+        </p:nvSpPr>
+        <p:spPr>
+          <a:xfrm>
+            <a:off x="1207428" y="1841002"/>
+            <a:ext cx="8941123" cy="523220"/>
+          </a:xfrm>
+          <a:prstGeom prst="rect">
+            <a:avLst/>
+          </a:prstGeom>
+          <a:noFill/>
+        </p:spPr>
+        <p:txBody>
+          <a:bodyPr wrap="square">
+            <a:spAutoFit/>
+          </a:bodyPr>
+          <a:lstStyle/>
+          <a:p>
+            <a:r>
+              <a:rPr lang="zh-TW" altLang="en-US" sz="2800" b="0" i="0" dirty="0">
+                <a:solidFill>
+                  <a:srgbClr val="333333"/>
+                </a:solidFill>
+                <a:effectLst/>
+                <a:latin typeface="Helvetica Neue"/>
+              </a:rPr>
+              <a:t>可以一次安裝多個套件，以下為本講義會使用的套件</a:t>
+            </a:r>
+            <a:endParaRPr lang="zh-TW" altLang="en-US" sz="2800" dirty="0"/>
+          </a:p>
+        </p:txBody>
+      </p:sp>
+      <p:pic>
+        <p:nvPicPr>
+          <p:cNvPr id="11" name="圖片 10">
+            <a:extLst>
+              <a:ext uri="{FF2B5EF4-FFF2-40B4-BE49-F238E27FC236}">
+                <a16:creationId xmlns:a16="http://schemas.microsoft.com/office/drawing/2014/main" id="{FA419959-B8CC-4D4B-89B7-724611822730}"/>
+              </a:ext>
+            </a:extLst>
+          </p:cNvPr>
+          <p:cNvPicPr>
+            <a:picLocks noChangeAspect="1"/>
+          </p:cNvPicPr>
+          <p:nvPr/>
+        </p:nvPicPr>
+        <p:blipFill>
+          <a:blip r:embed="rId3"/>
+          <a:stretch>
+            <a:fillRect/>
+          </a:stretch>
+        </p:blipFill>
+        <p:spPr>
+          <a:xfrm>
+            <a:off x="1207428" y="2785705"/>
+            <a:ext cx="10488420" cy="3416148"/>
+          </a:xfrm>
+          <a:prstGeom prst="rect">
+            <a:avLst/>
+          </a:prstGeom>
+        </p:spPr>
+      </p:pic>
+    </p:spTree>
+    <p:custDataLst>
+      <p:tags r:id="rId1"/>
+    </p:custDataLst>
+    <p:extLst>
+      <p:ext uri="{BB962C8B-B14F-4D97-AF65-F5344CB8AC3E}">
+        <p14:creationId xmlns:p14="http://schemas.microsoft.com/office/powerpoint/2010/main" val="65132230"/>
       </p:ext>
     </p:extLst>
   </p:cSld>
@@ -3974,12 +5665,17 @@
           <a:p>
             <a:r>
               <a:rPr lang="zh-TW" altLang="en-US" dirty="0"/>
-              <a:t>安裝套件和</a:t>
+              <a:t>簡介</a:t>
             </a:r>
             <a:r>
               <a:rPr lang="en-US" altLang="zh-TW" dirty="0"/>
-              <a:t>help</a:t>
-            </a:r>
+              <a:t>R</a:t>
+            </a:r>
+            <a:r>
+              <a:rPr lang="zh-TW" altLang="en-US" dirty="0"/>
+              <a:t>套件</a:t>
+            </a:r>
+            <a:endParaRPr lang="en-US" altLang="zh-TW" dirty="0"/>
           </a:p>
           <a:p>
             <a:r>
@@ -4042,6 +5738,359 @@
     <p:extLst>
       <p:ext uri="{BB962C8B-B14F-4D97-AF65-F5344CB8AC3E}">
         <p14:creationId xmlns:p14="http://schemas.microsoft.com/office/powerpoint/2010/main" val="3459792831"/>
+      </p:ext>
+    </p:extLst>
+  </p:cSld>
+  <p:clrMapOvr>
+    <a:masterClrMapping/>
+  </p:clrMapOvr>
+</p:sld>
+</file>
+
+<file path=ppt/slides/slide20.xml><?xml version="1.0" encoding="utf-8"?>
+<p:sld xmlns:a="http://schemas.openxmlformats.org/drawingml/2006/main" xmlns:r="http://schemas.openxmlformats.org/officeDocument/2006/relationships" xmlns:p="http://schemas.openxmlformats.org/presentationml/2006/main">
+  <p:cSld>
+    <p:spTree>
+      <p:nvGrpSpPr>
+        <p:cNvPr id="1" name=""/>
+        <p:cNvGrpSpPr/>
+        <p:nvPr/>
+      </p:nvGrpSpPr>
+      <p:grpSpPr>
+        <a:xfrm>
+          <a:off x="0" y="0"/>
+          <a:ext cx="0" cy="0"/>
+          <a:chOff x="0" y="0"/>
+          <a:chExt cx="0" cy="0"/>
+        </a:xfrm>
+      </p:grpSpPr>
+      <p:sp>
+        <p:nvSpPr>
+          <p:cNvPr id="2" name="標題 1">
+            <a:extLst>
+              <a:ext uri="{FF2B5EF4-FFF2-40B4-BE49-F238E27FC236}">
+                <a16:creationId xmlns:a16="http://schemas.microsoft.com/office/drawing/2014/main" id="{E1B452CF-5350-41A2-9F93-8F70A80FE906}"/>
+              </a:ext>
+            </a:extLst>
+          </p:cNvPr>
+          <p:cNvSpPr>
+            <a:spLocks noGrp="1"/>
+          </p:cNvSpPr>
+          <p:nvPr>
+            <p:ph type="title"/>
+          </p:nvPr>
+        </p:nvSpPr>
+        <p:spPr/>
+        <p:txBody>
+          <a:bodyPr>
+            <a:normAutofit/>
+          </a:bodyPr>
+          <a:lstStyle/>
+          <a:p>
+            <a:r>
+              <a:rPr lang="zh-TW" altLang="en-US" sz="3600" b="1" dirty="0"/>
+              <a:t>安裝講義所用套件</a:t>
+            </a:r>
+            <a:endParaRPr lang="zh-TW" altLang="en-US" sz="3600" dirty="0"/>
+          </a:p>
+        </p:txBody>
+      </p:sp>
+      <p:sp>
+        <p:nvSpPr>
+          <p:cNvPr id="5" name="文字方塊 4">
+            <a:extLst>
+              <a:ext uri="{FF2B5EF4-FFF2-40B4-BE49-F238E27FC236}">
+                <a16:creationId xmlns:a16="http://schemas.microsoft.com/office/drawing/2014/main" id="{12690AA1-CB24-458B-A825-0004ADAD3EEF}"/>
+              </a:ext>
+            </a:extLst>
+          </p:cNvPr>
+          <p:cNvSpPr txBox="1"/>
+          <p:nvPr/>
+        </p:nvSpPr>
+        <p:spPr>
+          <a:xfrm>
+            <a:off x="1207428" y="1841002"/>
+            <a:ext cx="8941123" cy="523220"/>
+          </a:xfrm>
+          <a:prstGeom prst="rect">
+            <a:avLst/>
+          </a:prstGeom>
+          <a:noFill/>
+        </p:spPr>
+        <p:txBody>
+          <a:bodyPr wrap="square">
+            <a:spAutoFit/>
+          </a:bodyPr>
+          <a:lstStyle/>
+          <a:p>
+            <a:r>
+              <a:rPr lang="zh-TW" altLang="en-US" sz="2800" b="0" i="0" dirty="0">
+                <a:solidFill>
+                  <a:srgbClr val="333333"/>
+                </a:solidFill>
+                <a:effectLst/>
+                <a:latin typeface="Helvetica Neue"/>
+              </a:rPr>
+              <a:t>另外以下是本講義使用的</a:t>
+            </a:r>
+            <a:r>
+              <a:rPr lang="en-US" altLang="zh-TW" sz="2800" b="0" i="0" dirty="0">
+                <a:solidFill>
+                  <a:srgbClr val="333333"/>
+                </a:solidFill>
+                <a:effectLst/>
+                <a:latin typeface="Helvetica Neue"/>
+              </a:rPr>
+              <a:t>R</a:t>
+            </a:r>
+            <a:r>
+              <a:rPr lang="zh-TW" altLang="en-US" sz="2800" b="0" i="0" dirty="0">
+                <a:solidFill>
+                  <a:srgbClr val="333333"/>
+                </a:solidFill>
+                <a:effectLst/>
+                <a:latin typeface="Helvetica Neue"/>
+              </a:rPr>
+              <a:t>語言環境</a:t>
+            </a:r>
+            <a:endParaRPr lang="zh-TW" altLang="en-US" sz="2800" dirty="0"/>
+          </a:p>
+        </p:txBody>
+      </p:sp>
+      <p:pic>
+        <p:nvPicPr>
+          <p:cNvPr id="6" name="圖片 5">
+            <a:extLst>
+              <a:ext uri="{FF2B5EF4-FFF2-40B4-BE49-F238E27FC236}">
+                <a16:creationId xmlns:a16="http://schemas.microsoft.com/office/drawing/2014/main" id="{5A5EABE9-7A5E-4B12-B189-23AC0AE57DE9}"/>
+              </a:ext>
+            </a:extLst>
+          </p:cNvPr>
+          <p:cNvPicPr>
+            <a:picLocks noChangeAspect="1"/>
+          </p:cNvPicPr>
+          <p:nvPr/>
+        </p:nvPicPr>
+        <p:blipFill>
+          <a:blip r:embed="rId3"/>
+          <a:stretch>
+            <a:fillRect/>
+          </a:stretch>
+        </p:blipFill>
+        <p:spPr>
+          <a:xfrm>
+            <a:off x="4250846" y="2610211"/>
+            <a:ext cx="7481584" cy="3767135"/>
+          </a:xfrm>
+          <a:prstGeom prst="rect">
+            <a:avLst/>
+          </a:prstGeom>
+        </p:spPr>
+      </p:pic>
+      <p:pic>
+        <p:nvPicPr>
+          <p:cNvPr id="10" name="圖片 9">
+            <a:extLst>
+              <a:ext uri="{FF2B5EF4-FFF2-40B4-BE49-F238E27FC236}">
+                <a16:creationId xmlns:a16="http://schemas.microsoft.com/office/drawing/2014/main" id="{E5DD54E6-F862-41EB-AB65-AD9F4085E8D1}"/>
+              </a:ext>
+            </a:extLst>
+          </p:cNvPr>
+          <p:cNvPicPr>
+            <a:picLocks noChangeAspect="1"/>
+          </p:cNvPicPr>
+          <p:nvPr/>
+        </p:nvPicPr>
+        <p:blipFill>
+          <a:blip r:embed="rId4"/>
+          <a:stretch>
+            <a:fillRect/>
+          </a:stretch>
+        </p:blipFill>
+        <p:spPr>
+          <a:xfrm>
+            <a:off x="1207428" y="2651686"/>
+            <a:ext cx="2495898" cy="571580"/>
+          </a:xfrm>
+          <a:prstGeom prst="rect">
+            <a:avLst/>
+          </a:prstGeom>
+        </p:spPr>
+      </p:pic>
+    </p:spTree>
+    <p:custDataLst>
+      <p:tags r:id="rId1"/>
+    </p:custDataLst>
+    <p:extLst>
+      <p:ext uri="{BB962C8B-B14F-4D97-AF65-F5344CB8AC3E}">
+        <p14:creationId xmlns:p14="http://schemas.microsoft.com/office/powerpoint/2010/main" val="1853927476"/>
+      </p:ext>
+    </p:extLst>
+  </p:cSld>
+  <p:clrMapOvr>
+    <a:masterClrMapping/>
+  </p:clrMapOvr>
+</p:sld>
+</file>
+
+<file path=ppt/slides/slide21.xml><?xml version="1.0" encoding="utf-8"?>
+<p:sld xmlns:a="http://schemas.openxmlformats.org/drawingml/2006/main" xmlns:r="http://schemas.openxmlformats.org/officeDocument/2006/relationships" xmlns:p="http://schemas.openxmlformats.org/presentationml/2006/main">
+  <p:cSld>
+    <p:spTree>
+      <p:nvGrpSpPr>
+        <p:cNvPr id="1" name=""/>
+        <p:cNvGrpSpPr/>
+        <p:nvPr/>
+      </p:nvGrpSpPr>
+      <p:grpSpPr>
+        <a:xfrm>
+          <a:off x="0" y="0"/>
+          <a:ext cx="0" cy="0"/>
+          <a:chOff x="0" y="0"/>
+          <a:chExt cx="0" cy="0"/>
+        </a:xfrm>
+      </p:grpSpPr>
+      <p:sp>
+        <p:nvSpPr>
+          <p:cNvPr id="2" name="標題 1">
+            <a:extLst>
+              <a:ext uri="{FF2B5EF4-FFF2-40B4-BE49-F238E27FC236}">
+                <a16:creationId xmlns:a16="http://schemas.microsoft.com/office/drawing/2014/main" id="{26315561-863C-411A-8729-EB16B122DB6B}"/>
+              </a:ext>
+            </a:extLst>
+          </p:cNvPr>
+          <p:cNvSpPr>
+            <a:spLocks noGrp="1"/>
+          </p:cNvSpPr>
+          <p:nvPr>
+            <p:ph type="title"/>
+          </p:nvPr>
+        </p:nvSpPr>
+        <p:spPr/>
+        <p:txBody>
+          <a:bodyPr/>
+          <a:lstStyle/>
+          <a:p>
+            <a:r>
+              <a:rPr lang="zh-TW" altLang="en-US" b="1" dirty="0"/>
+              <a:t>錯誤訊息</a:t>
+            </a:r>
+            <a:endParaRPr lang="zh-TW" altLang="en-US" dirty="0"/>
+          </a:p>
+        </p:txBody>
+      </p:sp>
+      <p:sp>
+        <p:nvSpPr>
+          <p:cNvPr id="3" name="內容版面配置區 2">
+            <a:extLst>
+              <a:ext uri="{FF2B5EF4-FFF2-40B4-BE49-F238E27FC236}">
+                <a16:creationId xmlns:a16="http://schemas.microsoft.com/office/drawing/2014/main" id="{50B16F87-3638-4DC9-9F86-A0F9A3AB6E23}"/>
+              </a:ext>
+            </a:extLst>
+          </p:cNvPr>
+          <p:cNvSpPr>
+            <a:spLocks noGrp="1"/>
+          </p:cNvSpPr>
+          <p:nvPr>
+            <p:ph idx="1"/>
+          </p:nvPr>
+        </p:nvSpPr>
+        <p:spPr/>
+        <p:txBody>
+          <a:bodyPr/>
+          <a:lstStyle/>
+          <a:p>
+            <a:pPr marL="0" indent="0">
+              <a:buNone/>
+            </a:pPr>
+            <a:r>
+              <a:rPr lang="zh-TW" altLang="en-US" dirty="0"/>
+              <a:t>在按鍵或執行程式時可能會遇到一些錯誤訊息，</a:t>
+            </a:r>
+          </a:p>
+          <a:p>
+            <a:pPr marL="0" indent="0">
+              <a:buNone/>
+            </a:pPr>
+            <a:r>
+              <a:rPr lang="zh-TW" altLang="en-US" dirty="0"/>
+              <a:t>常見的錯誤訊息如下</a:t>
+            </a:r>
+            <a:r>
+              <a:rPr lang="en-US" altLang="zh-TW" dirty="0">
+                <a:hlinkClick r:id="rId3"/>
+              </a:rPr>
+              <a:t>(</a:t>
+            </a:r>
+            <a:r>
+              <a:rPr lang="zh-TW" altLang="en-US" dirty="0">
+                <a:hlinkClick r:id="rId3"/>
+              </a:rPr>
+              <a:t>參考</a:t>
+            </a:r>
+            <a:r>
+              <a:rPr lang="en-US" altLang="zh-TW" dirty="0">
+                <a:hlinkClick r:id="rId3"/>
+              </a:rPr>
+              <a:t>)</a:t>
+            </a:r>
+            <a:r>
+              <a:rPr lang="en-US" altLang="zh-TW" dirty="0"/>
+              <a:t>:</a:t>
+            </a:r>
+          </a:p>
+          <a:p>
+            <a:r>
+              <a:rPr lang="en-US" altLang="zh-TW" dirty="0"/>
+              <a:t>Message</a:t>
+            </a:r>
+            <a:r>
+              <a:rPr lang="zh-TW" altLang="en-US" dirty="0"/>
+              <a:t>：有可能的錯誤通知，程式會繼續執行</a:t>
+            </a:r>
+          </a:p>
+          <a:p>
+            <a:r>
+              <a:rPr lang="en-US" altLang="zh-TW" dirty="0"/>
+              <a:t>Warning</a:t>
+            </a:r>
+            <a:r>
+              <a:rPr lang="zh-TW" altLang="en-US" dirty="0"/>
+              <a:t>：有錯誤，但是不會影響太多，程式會繼續執行</a:t>
+            </a:r>
+          </a:p>
+          <a:p>
+            <a:r>
+              <a:rPr lang="en-US" altLang="zh-TW" dirty="0"/>
+              <a:t>Error</a:t>
+            </a:r>
+            <a:r>
+              <a:rPr lang="zh-TW" altLang="en-US" dirty="0"/>
+              <a:t>：有錯，而且無法繼續執行程式</a:t>
+            </a:r>
+          </a:p>
+          <a:p>
+            <a:r>
+              <a:rPr lang="en-US" altLang="zh-TW" dirty="0"/>
+              <a:t>Condition</a:t>
+            </a:r>
+            <a:r>
+              <a:rPr lang="zh-TW" altLang="en-US" dirty="0"/>
+              <a:t>：可能會發生的情況</a:t>
+            </a:r>
+          </a:p>
+          <a:p>
+            <a:endParaRPr lang="zh-TW" altLang="en-US" dirty="0"/>
+          </a:p>
+        </p:txBody>
+      </p:sp>
+    </p:spTree>
+    <p:custDataLst>
+      <p:tags r:id="rId1"/>
+    </p:custDataLst>
+    <p:extLst>
+      <p:ext uri="{BB962C8B-B14F-4D97-AF65-F5344CB8AC3E}">
+        <p14:creationId xmlns:p14="http://schemas.microsoft.com/office/powerpoint/2010/main" val="922086824"/>
       </p:ext>
     </p:extLst>
   </p:cSld>
@@ -4723,10 +6772,143 @@
             </a:r>
           </a:p>
           <a:p>
+            <a:endParaRPr lang="en-US" altLang="zh-TW" dirty="0"/>
+          </a:p>
+          <a:p>
+            <a:endParaRPr lang="en-US" altLang="zh-TW" dirty="0"/>
+          </a:p>
+          <a:p>
+            <a:endParaRPr lang="zh-TW" altLang="en-US" dirty="0"/>
+          </a:p>
+        </p:txBody>
+      </p:sp>
+      <p:pic>
+        <p:nvPicPr>
+          <p:cNvPr id="5" name="圖片 4">
+            <a:extLst>
+              <a:ext uri="{FF2B5EF4-FFF2-40B4-BE49-F238E27FC236}">
+                <a16:creationId xmlns:a16="http://schemas.microsoft.com/office/drawing/2014/main" id="{79A27C09-AFF2-45E2-A14E-487BBE9C4D96}"/>
+              </a:ext>
+            </a:extLst>
+          </p:cNvPr>
+          <p:cNvPicPr>
+            <a:picLocks noChangeAspect="1"/>
+          </p:cNvPicPr>
+          <p:nvPr/>
+        </p:nvPicPr>
+        <p:blipFill>
+          <a:blip r:embed="rId3"/>
+          <a:stretch>
+            <a:fillRect/>
+          </a:stretch>
+        </p:blipFill>
+        <p:spPr>
+          <a:xfrm>
+            <a:off x="4642095" y="1690688"/>
+            <a:ext cx="7286625" cy="4610100"/>
+          </a:xfrm>
+          <a:prstGeom prst="rect">
+            <a:avLst/>
+          </a:prstGeom>
+        </p:spPr>
+      </p:pic>
+    </p:spTree>
+    <p:custDataLst>
+      <p:tags r:id="rId1"/>
+    </p:custDataLst>
+    <p:extLst>
+      <p:ext uri="{BB962C8B-B14F-4D97-AF65-F5344CB8AC3E}">
+        <p14:creationId xmlns:p14="http://schemas.microsoft.com/office/powerpoint/2010/main" val="2120085043"/>
+      </p:ext>
+    </p:extLst>
+  </p:cSld>
+  <p:clrMapOvr>
+    <a:masterClrMapping/>
+  </p:clrMapOvr>
+</p:sld>
+</file>
+
+<file path=ppt/slides/slide6.xml><?xml version="1.0" encoding="utf-8"?>
+<p:sld xmlns:a="http://schemas.openxmlformats.org/drawingml/2006/main" xmlns:r="http://schemas.openxmlformats.org/officeDocument/2006/relationships" xmlns:p="http://schemas.openxmlformats.org/presentationml/2006/main">
+  <p:cSld>
+    <p:spTree>
+      <p:nvGrpSpPr>
+        <p:cNvPr id="1" name=""/>
+        <p:cNvGrpSpPr/>
+        <p:nvPr/>
+      </p:nvGrpSpPr>
+      <p:grpSpPr>
+        <a:xfrm>
+          <a:off x="0" y="0"/>
+          <a:ext cx="0" cy="0"/>
+          <a:chOff x="0" y="0"/>
+          <a:chExt cx="0" cy="0"/>
+        </a:xfrm>
+      </p:grpSpPr>
+      <p:sp>
+        <p:nvSpPr>
+          <p:cNvPr id="2" name="標題 1">
+            <a:extLst>
+              <a:ext uri="{FF2B5EF4-FFF2-40B4-BE49-F238E27FC236}">
+                <a16:creationId xmlns:a16="http://schemas.microsoft.com/office/drawing/2014/main" id="{E1B452CF-5350-41A2-9F93-8F70A80FE906}"/>
+              </a:ext>
+            </a:extLst>
+          </p:cNvPr>
+          <p:cNvSpPr>
+            <a:spLocks noGrp="1"/>
+          </p:cNvSpPr>
+          <p:nvPr>
+            <p:ph type="title"/>
+          </p:nvPr>
+        </p:nvSpPr>
+        <p:spPr/>
+        <p:txBody>
+          <a:bodyPr/>
+          <a:lstStyle/>
+          <a:p>
+            <a:r>
+              <a:rPr lang="en-US" altLang="zh-TW" b="1" dirty="0" err="1"/>
+              <a:t>Rstudio</a:t>
+            </a:r>
+            <a:r>
+              <a:rPr lang="zh-TW" altLang="en-US" b="1" dirty="0"/>
+              <a:t>初步設定</a:t>
+            </a:r>
+            <a:endParaRPr lang="zh-TW" altLang="en-US" dirty="0"/>
+          </a:p>
+        </p:txBody>
+      </p:sp>
+      <p:sp>
+        <p:nvSpPr>
+          <p:cNvPr id="3" name="內容版面配置區 2">
+            <a:extLst>
+              <a:ext uri="{FF2B5EF4-FFF2-40B4-BE49-F238E27FC236}">
+                <a16:creationId xmlns:a16="http://schemas.microsoft.com/office/drawing/2014/main" id="{9D99FD3C-FEA3-4D62-8152-B3B71E51F91F}"/>
+              </a:ext>
+            </a:extLst>
+          </p:cNvPr>
+          <p:cNvSpPr>
+            <a:spLocks noGrp="1"/>
+          </p:cNvSpPr>
+          <p:nvPr>
+            <p:ph idx="1"/>
+          </p:nvPr>
+        </p:nvSpPr>
+        <p:spPr/>
+        <p:txBody>
+          <a:bodyPr/>
+          <a:lstStyle/>
+          <a:p>
+            <a:r>
+              <a:rPr lang="en-US" altLang="zh-TW" dirty="0"/>
+              <a:t>Tools &gt; Global Options</a:t>
+            </a:r>
+          </a:p>
+          <a:p>
             <a:pPr lvl="1"/>
             <a:r>
               <a:rPr lang="en-US" altLang="zh-TW" dirty="0"/>
-              <a:t>Code: Display tab</a:t>
+              <a:t>Code: Display </a:t>
             </a:r>
             <a:r>
               <a:rPr lang="zh-TW" altLang="en-US" dirty="0"/>
@@ -4740,6 +6922,161 @@
               <a:rPr lang="zh-TW" altLang="en-US" dirty="0"/>
               <a:t>。</a:t>
             </a:r>
+            <a:r>
+              <a:rPr lang="en-US" altLang="zh-TW" b="0" i="0" dirty="0">
+                <a:solidFill>
+                  <a:srgbClr val="333333"/>
+                </a:solidFill>
+                <a:effectLst/>
+                <a:latin typeface="Helvetica Neue"/>
+              </a:rPr>
+              <a:t>(coding</a:t>
+            </a:r>
+            <a:r>
+              <a:rPr lang="zh-TW" altLang="en-US" b="0" i="0" dirty="0">
+                <a:solidFill>
+                  <a:srgbClr val="333333"/>
+                </a:solidFill>
+                <a:effectLst/>
+                <a:latin typeface="Helvetica Neue"/>
+              </a:rPr>
+              <a:t>時更清楚前面空格狀況</a:t>
+            </a:r>
+            <a:r>
+              <a:rPr lang="en-US" altLang="zh-TW" b="0" i="0" dirty="0">
+                <a:solidFill>
+                  <a:srgbClr val="333333"/>
+                </a:solidFill>
+                <a:effectLst/>
+                <a:latin typeface="Helvetica Neue"/>
+              </a:rPr>
+              <a:t>)</a:t>
+            </a:r>
+            <a:endParaRPr lang="zh-TW" altLang="en-US" dirty="0"/>
+          </a:p>
+        </p:txBody>
+      </p:sp>
+      <p:pic>
+        <p:nvPicPr>
+          <p:cNvPr id="5" name="圖片 4">
+            <a:extLst>
+              <a:ext uri="{FF2B5EF4-FFF2-40B4-BE49-F238E27FC236}">
+                <a16:creationId xmlns:a16="http://schemas.microsoft.com/office/drawing/2014/main" id="{A28E14C8-4EF4-4F97-B5C4-083F0EB05316}"/>
+              </a:ext>
+            </a:extLst>
+          </p:cNvPr>
+          <p:cNvPicPr>
+            <a:picLocks noChangeAspect="1"/>
+          </p:cNvPicPr>
+          <p:nvPr/>
+        </p:nvPicPr>
+        <p:blipFill>
+          <a:blip r:embed="rId3"/>
+          <a:stretch>
+            <a:fillRect/>
+          </a:stretch>
+        </p:blipFill>
+        <p:spPr>
+          <a:xfrm>
+            <a:off x="1520445" y="3122635"/>
+            <a:ext cx="7038975" cy="3486150"/>
+          </a:xfrm>
+          <a:prstGeom prst="rect">
+            <a:avLst/>
+          </a:prstGeom>
+        </p:spPr>
+      </p:pic>
+    </p:spTree>
+    <p:custDataLst>
+      <p:tags r:id="rId1"/>
+    </p:custDataLst>
+    <p:extLst>
+      <p:ext uri="{BB962C8B-B14F-4D97-AF65-F5344CB8AC3E}">
+        <p14:creationId xmlns:p14="http://schemas.microsoft.com/office/powerpoint/2010/main" val="962984053"/>
+      </p:ext>
+    </p:extLst>
+  </p:cSld>
+  <p:clrMapOvr>
+    <a:masterClrMapping/>
+  </p:clrMapOvr>
+</p:sld>
+</file>
+
+<file path=ppt/slides/slide7.xml><?xml version="1.0" encoding="utf-8"?>
+<p:sld xmlns:a="http://schemas.openxmlformats.org/drawingml/2006/main" xmlns:r="http://schemas.openxmlformats.org/officeDocument/2006/relationships" xmlns:p="http://schemas.openxmlformats.org/presentationml/2006/main">
+  <p:cSld>
+    <p:spTree>
+      <p:nvGrpSpPr>
+        <p:cNvPr id="1" name=""/>
+        <p:cNvGrpSpPr/>
+        <p:nvPr/>
+      </p:nvGrpSpPr>
+      <p:grpSpPr>
+        <a:xfrm>
+          <a:off x="0" y="0"/>
+          <a:ext cx="0" cy="0"/>
+          <a:chOff x="0" y="0"/>
+          <a:chExt cx="0" cy="0"/>
+        </a:xfrm>
+      </p:grpSpPr>
+      <p:sp>
+        <p:nvSpPr>
+          <p:cNvPr id="2" name="標題 1">
+            <a:extLst>
+              <a:ext uri="{FF2B5EF4-FFF2-40B4-BE49-F238E27FC236}">
+                <a16:creationId xmlns:a16="http://schemas.microsoft.com/office/drawing/2014/main" id="{E1B452CF-5350-41A2-9F93-8F70A80FE906}"/>
+              </a:ext>
+            </a:extLst>
+          </p:cNvPr>
+          <p:cNvSpPr>
+            <a:spLocks noGrp="1"/>
+          </p:cNvSpPr>
+          <p:nvPr>
+            <p:ph type="title"/>
+          </p:nvPr>
+        </p:nvSpPr>
+        <p:spPr/>
+        <p:txBody>
+          <a:bodyPr/>
+          <a:lstStyle/>
+          <a:p>
+            <a:r>
+              <a:rPr lang="en-US" altLang="zh-TW" b="1" dirty="0" err="1"/>
+              <a:t>Rstudio</a:t>
+            </a:r>
+            <a:r>
+              <a:rPr lang="zh-TW" altLang="en-US" b="1" dirty="0"/>
+              <a:t>初步設定</a:t>
+            </a:r>
+            <a:endParaRPr lang="zh-TW" altLang="en-US" dirty="0"/>
+          </a:p>
+        </p:txBody>
+      </p:sp>
+      <p:sp>
+        <p:nvSpPr>
+          <p:cNvPr id="3" name="內容版面配置區 2">
+            <a:extLst>
+              <a:ext uri="{FF2B5EF4-FFF2-40B4-BE49-F238E27FC236}">
+                <a16:creationId xmlns:a16="http://schemas.microsoft.com/office/drawing/2014/main" id="{9D99FD3C-FEA3-4D62-8152-B3B71E51F91F}"/>
+              </a:ext>
+            </a:extLst>
+          </p:cNvPr>
+          <p:cNvSpPr>
+            <a:spLocks noGrp="1"/>
+          </p:cNvSpPr>
+          <p:nvPr>
+            <p:ph idx="1"/>
+          </p:nvPr>
+        </p:nvSpPr>
+        <p:spPr/>
+        <p:txBody>
+          <a:bodyPr/>
+          <a:lstStyle/>
+          <a:p>
+            <a:r>
+              <a:rPr lang="en-US" altLang="zh-TW" dirty="0"/>
+              <a:t>Tools &gt; Global Options</a:t>
+            </a:r>
           </a:p>
           <a:p>
             <a:pPr lvl="1"/>
@@ -4747,6 +7084,9 @@
               <a:rPr lang="en-US" altLang="zh-TW" dirty="0"/>
               <a:t>Appearance: </a:t>
             </a:r>
+          </a:p>
+          <a:p>
+            <a:pPr lvl="2"/>
             <a:r>
               <a:rPr lang="zh-TW" altLang="en-US" dirty="0"/>
               <a:t>可改變</a:t>
@@ -4757,10 +7097,55 @@
             </a:r>
           </a:p>
           <a:p>
+            <a:pPr lvl="2"/>
+            <a:r>
+              <a:rPr lang="en-US" altLang="zh-TW" dirty="0"/>
+              <a:t>(</a:t>
+            </a:r>
+            <a:r>
+              <a:rPr lang="zh-TW" altLang="en-US" dirty="0"/>
+              <a:t>可以改成深色模式讓眼睛休息一下</a:t>
+            </a:r>
+            <a:r>
+              <a:rPr lang="en-US" altLang="zh-TW" dirty="0"/>
+              <a:t>)</a:t>
+            </a:r>
+          </a:p>
+          <a:p>
             <a:endParaRPr lang="zh-TW" altLang="en-US" dirty="0"/>
           </a:p>
         </p:txBody>
       </p:sp>
+      <p:pic>
+        <p:nvPicPr>
+          <p:cNvPr id="5" name="圖片 4">
+            <a:extLst>
+              <a:ext uri="{FF2B5EF4-FFF2-40B4-BE49-F238E27FC236}">
+                <a16:creationId xmlns:a16="http://schemas.microsoft.com/office/drawing/2014/main" id="{B505572B-0ACB-4C93-BAD6-152B2043AEF0}"/>
+              </a:ext>
+            </a:extLst>
+          </p:cNvPr>
+          <p:cNvPicPr>
+            <a:picLocks noChangeAspect="1"/>
+          </p:cNvPicPr>
+          <p:nvPr/>
+        </p:nvPicPr>
+        <p:blipFill>
+          <a:blip r:embed="rId3"/>
+          <a:stretch>
+            <a:fillRect/>
+          </a:stretch>
+        </p:blipFill>
+        <p:spPr>
+          <a:xfrm>
+            <a:off x="6096000" y="113340"/>
+            <a:ext cx="6096000" cy="6379535"/>
+          </a:xfrm>
+          <a:prstGeom prst="rect">
+            <a:avLst/>
+          </a:prstGeom>
+        </p:spPr>
+      </p:pic>
     </p:spTree>
     <p:custDataLst>
       <p:tags r:id="rId1"/>
@@ -4777,7 +7162,7 @@
 </p:sld>
 </file>
 
-<file path=ppt/slides/slide6.xml><?xml version="1.0" encoding="utf-8"?>
+<file path=ppt/slides/slide8.xml><?xml version="1.0" encoding="utf-8"?>
 <p:sld xmlns:a="http://schemas.openxmlformats.org/drawingml/2006/main" xmlns:r="http://schemas.openxmlformats.org/officeDocument/2006/relationships" xmlns:p="http://schemas.openxmlformats.org/presentationml/2006/main">
   <p:cSld>
     <p:spTree>
@@ -4962,7 +7347,7 @@
 </p:sld>
 </file>
 
-<file path=ppt/slides/slide7.xml><?xml version="1.0" encoding="utf-8"?>
+<file path=ppt/slides/slide9.xml><?xml version="1.0" encoding="utf-8"?>
 <p:sld xmlns:a="http://schemas.openxmlformats.org/drawingml/2006/main" xmlns:r="http://schemas.openxmlformats.org/officeDocument/2006/relationships" xmlns:p="http://schemas.openxmlformats.org/presentationml/2006/main">
   <p:cSld>
     <p:spTree>
@@ -5150,283 +7535,6 @@
 </p:sld>
 </file>
 
-<file path=ppt/slides/slide8.xml><?xml version="1.0" encoding="utf-8"?>
-<p:sld xmlns:a="http://schemas.openxmlformats.org/drawingml/2006/main" xmlns:r="http://schemas.openxmlformats.org/officeDocument/2006/relationships" xmlns:p="http://schemas.openxmlformats.org/presentationml/2006/main">
-  <p:cSld>
-    <p:spTree>
-      <p:nvGrpSpPr>
-        <p:cNvPr id="1" name=""/>
-        <p:cNvGrpSpPr/>
-        <p:nvPr/>
-      </p:nvGrpSpPr>
-      <p:grpSpPr>
-        <a:xfrm>
-          <a:off x="0" y="0"/>
-          <a:ext cx="0" cy="0"/>
-          <a:chOff x="0" y="0"/>
-          <a:chExt cx="0" cy="0"/>
-        </a:xfrm>
-      </p:grpSpPr>
-      <p:sp>
-        <p:nvSpPr>
-          <p:cNvPr id="2" name="標題 1">
-            <a:extLst>
-              <a:ext uri="{FF2B5EF4-FFF2-40B4-BE49-F238E27FC236}">
-                <a16:creationId xmlns:a16="http://schemas.microsoft.com/office/drawing/2014/main" id="{E1B452CF-5350-41A2-9F93-8F70A80FE906}"/>
-              </a:ext>
-            </a:extLst>
-          </p:cNvPr>
-          <p:cNvSpPr>
-            <a:spLocks noGrp="1"/>
-          </p:cNvSpPr>
-          <p:nvPr>
-            <p:ph type="title"/>
-          </p:nvPr>
-        </p:nvSpPr>
-        <p:spPr/>
-        <p:txBody>
-          <a:bodyPr/>
-          <a:lstStyle/>
-          <a:p>
-            <a:r>
-              <a:rPr lang="zh-TW" altLang="en-US" b="1" dirty="0"/>
-              <a:t>小技巧</a:t>
-            </a:r>
-            <a:endParaRPr lang="zh-TW" altLang="en-US" dirty="0"/>
-          </a:p>
-        </p:txBody>
-      </p:sp>
-      <p:sp>
-        <p:nvSpPr>
-          <p:cNvPr id="3" name="內容版面配置區 2">
-            <a:extLst>
-              <a:ext uri="{FF2B5EF4-FFF2-40B4-BE49-F238E27FC236}">
-                <a16:creationId xmlns:a16="http://schemas.microsoft.com/office/drawing/2014/main" id="{9D99FD3C-FEA3-4D62-8152-B3B71E51F91F}"/>
-              </a:ext>
-            </a:extLst>
-          </p:cNvPr>
-          <p:cNvSpPr>
-            <a:spLocks noGrp="1"/>
-          </p:cNvSpPr>
-          <p:nvPr>
-            <p:ph idx="1"/>
-          </p:nvPr>
-        </p:nvSpPr>
-        <p:spPr>
-          <a:xfrm>
-            <a:off x="838200" y="1825625"/>
-            <a:ext cx="4944035" cy="4046257"/>
-          </a:xfrm>
-        </p:spPr>
-        <p:txBody>
-          <a:bodyPr/>
-          <a:lstStyle/>
-          <a:p>
-            <a:pPr marL="0" indent="0">
-              <a:buNone/>
-            </a:pPr>
-            <a:r>
-              <a:rPr lang="zh-TW" altLang="en-US" dirty="0"/>
-              <a:t>可以在上述地方察看快捷鍵的指令， 也有一些常用的</a:t>
-            </a:r>
-            <a:r>
-              <a:rPr lang="zh-TW" altLang="en-US" dirty="0">
-                <a:hlinkClick r:id="rId3"/>
-              </a:rPr>
-              <a:t>快捷鍵整理</a:t>
-            </a:r>
-            <a:r>
-              <a:rPr lang="zh-TW" altLang="en-US" dirty="0"/>
-              <a:t>提供參考</a:t>
-            </a:r>
-          </a:p>
-          <a:p>
-            <a:pPr marL="0" indent="0">
-              <a:buNone/>
-            </a:pPr>
-            <a:r>
-              <a:rPr lang="zh-TW" altLang="en-US" dirty="0"/>
-              <a:t>另外比較重要的是</a:t>
-            </a:r>
-            <a:r>
-              <a:rPr lang="en-US" altLang="zh-TW" dirty="0"/>
-              <a:t>R</a:t>
-            </a:r>
-            <a:r>
-              <a:rPr lang="zh-TW" altLang="en-US" dirty="0"/>
-              <a:t>的註解標籤是</a:t>
-            </a:r>
-            <a:r>
-              <a:rPr lang="en-US" altLang="zh-TW" b="1" dirty="0"/>
-              <a:t>#</a:t>
-            </a:r>
-            <a:endParaRPr lang="zh-TW" altLang="en-US" dirty="0"/>
-          </a:p>
-          <a:p>
-            <a:endParaRPr lang="zh-TW" altLang="en-US" dirty="0"/>
-          </a:p>
-        </p:txBody>
-      </p:sp>
-      <p:pic>
-        <p:nvPicPr>
-          <p:cNvPr id="4" name="圖片 3">
-            <a:extLst>
-              <a:ext uri="{FF2B5EF4-FFF2-40B4-BE49-F238E27FC236}">
-                <a16:creationId xmlns:a16="http://schemas.microsoft.com/office/drawing/2014/main" id="{513E3C8B-2A1B-441A-B9B0-99D4B7FC1934}"/>
-              </a:ext>
-            </a:extLst>
-          </p:cNvPr>
-          <p:cNvPicPr>
-            <a:picLocks noChangeAspect="1"/>
-          </p:cNvPicPr>
-          <p:nvPr/>
-        </p:nvPicPr>
-        <p:blipFill>
-          <a:blip r:embed="rId4"/>
-          <a:stretch>
-            <a:fillRect/>
-          </a:stretch>
-        </p:blipFill>
-        <p:spPr>
-          <a:xfrm>
-            <a:off x="6813176" y="796178"/>
-            <a:ext cx="3962400" cy="4781550"/>
-          </a:xfrm>
-          <a:prstGeom prst="rect">
-            <a:avLst/>
-          </a:prstGeom>
-        </p:spPr>
-      </p:pic>
-    </p:spTree>
-    <p:custDataLst>
-      <p:tags r:id="rId1"/>
-    </p:custDataLst>
-    <p:extLst>
-      <p:ext uri="{BB962C8B-B14F-4D97-AF65-F5344CB8AC3E}">
-        <p14:creationId xmlns:p14="http://schemas.microsoft.com/office/powerpoint/2010/main" val="2471121191"/>
-      </p:ext>
-    </p:extLst>
-  </p:cSld>
-  <p:clrMapOvr>
-    <a:masterClrMapping/>
-  </p:clrMapOvr>
-</p:sld>
-</file>
-
-<file path=ppt/slides/slide9.xml><?xml version="1.0" encoding="utf-8"?>
-<p:sld xmlns:a="http://schemas.openxmlformats.org/drawingml/2006/main" xmlns:r="http://schemas.openxmlformats.org/officeDocument/2006/relationships" xmlns:p="http://schemas.openxmlformats.org/presentationml/2006/main">
-  <p:cSld>
-    <p:spTree>
-      <p:nvGrpSpPr>
-        <p:cNvPr id="1" name=""/>
-        <p:cNvGrpSpPr/>
-        <p:nvPr/>
-      </p:nvGrpSpPr>
-      <p:grpSpPr>
-        <a:xfrm>
-          <a:off x="0" y="0"/>
-          <a:ext cx="0" cy="0"/>
-          <a:chOff x="0" y="0"/>
-          <a:chExt cx="0" cy="0"/>
-        </a:xfrm>
-      </p:grpSpPr>
-      <p:sp>
-        <p:nvSpPr>
-          <p:cNvPr id="2" name="標題 1">
-            <a:extLst>
-              <a:ext uri="{FF2B5EF4-FFF2-40B4-BE49-F238E27FC236}">
-                <a16:creationId xmlns:a16="http://schemas.microsoft.com/office/drawing/2014/main" id="{26315561-863C-411A-8729-EB16B122DB6B}"/>
-              </a:ext>
-            </a:extLst>
-          </p:cNvPr>
-          <p:cNvSpPr>
-            <a:spLocks noGrp="1"/>
-          </p:cNvSpPr>
-          <p:nvPr>
-            <p:ph type="title"/>
-          </p:nvPr>
-        </p:nvSpPr>
-        <p:spPr/>
-        <p:txBody>
-          <a:bodyPr/>
-          <a:lstStyle/>
-          <a:p>
-            <a:r>
-              <a:rPr lang="zh-TW" altLang="en-US" b="1" dirty="0"/>
-              <a:t>安裝套件和</a:t>
-            </a:r>
-            <a:r>
-              <a:rPr lang="en-US" altLang="zh-TW" b="1" dirty="0"/>
-              <a:t>help</a:t>
-            </a:r>
-            <a:endParaRPr lang="zh-TW" altLang="en-US" dirty="0"/>
-          </a:p>
-        </p:txBody>
-      </p:sp>
-      <p:sp>
-        <p:nvSpPr>
-          <p:cNvPr id="3" name="內容版面配置區 2">
-            <a:extLst>
-              <a:ext uri="{FF2B5EF4-FFF2-40B4-BE49-F238E27FC236}">
-                <a16:creationId xmlns:a16="http://schemas.microsoft.com/office/drawing/2014/main" id="{50B16F87-3638-4DC9-9F86-A0F9A3AB6E23}"/>
-              </a:ext>
-            </a:extLst>
-          </p:cNvPr>
-          <p:cNvSpPr>
-            <a:spLocks noGrp="1"/>
-          </p:cNvSpPr>
-          <p:nvPr>
-            <p:ph idx="1"/>
-          </p:nvPr>
-        </p:nvSpPr>
-        <p:spPr/>
-        <p:txBody>
-          <a:bodyPr>
-            <a:normAutofit/>
-          </a:bodyPr>
-          <a:lstStyle/>
-          <a:p>
-            <a:r>
-              <a:rPr lang="zh-TW" altLang="en-US" dirty="0"/>
-              <a:t>安裝套件：安裝只需要做一次，就是將你要的套件從網路上抓下來並安裝到你的電腦裡</a:t>
-            </a:r>
-            <a:endParaRPr lang="en-US" altLang="zh-TW" dirty="0"/>
-          </a:p>
-          <a:p>
-            <a:r>
-              <a:rPr lang="zh-TW" altLang="en-US" dirty="0"/>
-              <a:t>載入套件：確定要用的套件已經在電腦中後，在使用前，需要將該套件載入至</a:t>
-            </a:r>
-            <a:r>
-              <a:rPr lang="en-US" altLang="zh-TW" dirty="0"/>
-              <a:t>R</a:t>
-            </a:r>
-            <a:r>
-              <a:rPr lang="zh-TW" altLang="en-US" dirty="0"/>
-              <a:t>才能夠使用</a:t>
-            </a:r>
-          </a:p>
-          <a:p>
-            <a:endParaRPr lang="zh-TW" altLang="en-US" dirty="0"/>
-          </a:p>
-        </p:txBody>
-      </p:sp>
-    </p:spTree>
-    <p:custDataLst>
-      <p:tags r:id="rId1"/>
-    </p:custDataLst>
-    <p:extLst>
-      <p:ext uri="{BB962C8B-B14F-4D97-AF65-F5344CB8AC3E}">
-        <p14:creationId xmlns:p14="http://schemas.microsoft.com/office/powerpoint/2010/main" val="2151873703"/>
-      </p:ext>
-    </p:extLst>
-  </p:cSld>
-  <p:clrMapOvr>
-    <a:masterClrMapping/>
-  </p:clrMapOvr>
-</p:sld>
-</file>
-
 <file path=ppt/tags/tag1.xml><?xml version="1.0" encoding="utf-8"?>
 <p:tagLst xmlns:a="http://schemas.openxmlformats.org/drawingml/2006/main" xmlns:r="http://schemas.openxmlformats.org/officeDocument/2006/relationships" xmlns:p="http://schemas.openxmlformats.org/presentationml/2006/main">
   <p:tag name="AMA" val="2.1"/>
@@ -5445,7 +7553,61 @@
 </p:tagLst>
 </file>
 
+<file path=ppt/tags/tag12.xml><?xml version="1.0" encoding="utf-8"?>
+<p:tagLst xmlns:a="http://schemas.openxmlformats.org/drawingml/2006/main" xmlns:r="http://schemas.openxmlformats.org/officeDocument/2006/relationships" xmlns:p="http://schemas.openxmlformats.org/presentationml/2006/main">
+  <p:tag name="AMA" val="2.1"/>
+</p:tagLst>
+</file>
+
+<file path=ppt/tags/tag13.xml><?xml version="1.0" encoding="utf-8"?>
+<p:tagLst xmlns:a="http://schemas.openxmlformats.org/drawingml/2006/main" xmlns:r="http://schemas.openxmlformats.org/officeDocument/2006/relationships" xmlns:p="http://schemas.openxmlformats.org/presentationml/2006/main">
+  <p:tag name="AMA" val="2.1"/>
+</p:tagLst>
+</file>
+
+<file path=ppt/tags/tag14.xml><?xml version="1.0" encoding="utf-8"?>
+<p:tagLst xmlns:a="http://schemas.openxmlformats.org/drawingml/2006/main" xmlns:r="http://schemas.openxmlformats.org/officeDocument/2006/relationships" xmlns:p="http://schemas.openxmlformats.org/presentationml/2006/main">
+  <p:tag name="AMA" val="2.1"/>
+</p:tagLst>
+</file>
+
+<file path=ppt/tags/tag15.xml><?xml version="1.0" encoding="utf-8"?>
+<p:tagLst xmlns:a="http://schemas.openxmlformats.org/drawingml/2006/main" xmlns:r="http://schemas.openxmlformats.org/officeDocument/2006/relationships" xmlns:p="http://schemas.openxmlformats.org/presentationml/2006/main">
+  <p:tag name="AMA" val="2.1"/>
+</p:tagLst>
+</file>
+
+<file path=ppt/tags/tag16.xml><?xml version="1.0" encoding="utf-8"?>
+<p:tagLst xmlns:a="http://schemas.openxmlformats.org/drawingml/2006/main" xmlns:r="http://schemas.openxmlformats.org/officeDocument/2006/relationships" xmlns:p="http://schemas.openxmlformats.org/presentationml/2006/main">
+  <p:tag name="AMA" val="2.1"/>
+</p:tagLst>
+</file>
+
+<file path=ppt/tags/tag17.xml><?xml version="1.0" encoding="utf-8"?>
+<p:tagLst xmlns:a="http://schemas.openxmlformats.org/drawingml/2006/main" xmlns:r="http://schemas.openxmlformats.org/officeDocument/2006/relationships" xmlns:p="http://schemas.openxmlformats.org/presentationml/2006/main">
+  <p:tag name="AMA" val="2.1"/>
+</p:tagLst>
+</file>
+
+<file path=ppt/tags/tag18.xml><?xml version="1.0" encoding="utf-8"?>
+<p:tagLst xmlns:a="http://schemas.openxmlformats.org/drawingml/2006/main" xmlns:r="http://schemas.openxmlformats.org/officeDocument/2006/relationships" xmlns:p="http://schemas.openxmlformats.org/presentationml/2006/main">
+  <p:tag name="AMA" val="2.1"/>
+</p:tagLst>
+</file>
+
+<file path=ppt/tags/tag19.xml><?xml version="1.0" encoding="utf-8"?>
+<p:tagLst xmlns:a="http://schemas.openxmlformats.org/drawingml/2006/main" xmlns:r="http://schemas.openxmlformats.org/officeDocument/2006/relationships" xmlns:p="http://schemas.openxmlformats.org/presentationml/2006/main">
+  <p:tag name="AMA" val="2.1"/>
+</p:tagLst>
+</file>
+
 <file path=ppt/tags/tag2.xml><?xml version="1.0" encoding="utf-8"?>
+<p:tagLst xmlns:a="http://schemas.openxmlformats.org/drawingml/2006/main" xmlns:r="http://schemas.openxmlformats.org/officeDocument/2006/relationships" xmlns:p="http://schemas.openxmlformats.org/presentationml/2006/main">
+  <p:tag name="AMA" val="2.1"/>
+</p:tagLst>
+</file>
+
+<file path=ppt/tags/tag20.xml><?xml version="1.0" encoding="utf-8"?>
 <p:tagLst xmlns:a="http://schemas.openxmlformats.org/drawingml/2006/main" xmlns:r="http://schemas.openxmlformats.org/officeDocument/2006/relationships" xmlns:p="http://schemas.openxmlformats.org/presentationml/2006/main">
   <p:tag name="AMA" val="2.1"/>
 </p:tagLst>
